--- a/9.Deep_learning/class_6.0_pytorch.pptx
+++ b/9.Deep_learning/class_6.0_pytorch.pptx
@@ -5,22 +5,12 @@
     <p:sldMasterId id="2147483648" r:id="rId1"/>
   </p:sldMasterIdLst>
   <p:notesMasterIdLst>
-    <p:notesMasterId r:id="rId16"/>
+    <p:notesMasterId r:id="rId6"/>
   </p:notesMasterIdLst>
   <p:sldIdLst>
     <p:sldId id="368" r:id="rId3"/>
-    <p:sldId id="277" r:id="rId4"/>
-    <p:sldId id="278" r:id="rId5"/>
-    <p:sldId id="261" r:id="rId6"/>
-    <p:sldId id="263" r:id="rId7"/>
-    <p:sldId id="264" r:id="rId8"/>
-    <p:sldId id="265" r:id="rId9"/>
-    <p:sldId id="266" r:id="rId10"/>
-    <p:sldId id="267" r:id="rId11"/>
-    <p:sldId id="268" r:id="rId12"/>
-    <p:sldId id="270" r:id="rId13"/>
-    <p:sldId id="271" r:id="rId14"/>
-    <p:sldId id="272" r:id="rId15"/>
+    <p:sldId id="271" r:id="rId4"/>
+    <p:sldId id="272" r:id="rId5"/>
   </p:sldIdLst>
   <p:sldSz cx="12192000" cy="6858000"/>
   <p:notesSz cx="6858000" cy="9144000"/>
@@ -3479,7 +3469,7 @@
                 </a:effectLst>
                 <a:sym typeface="+mn-ea"/>
               </a:rPr>
-              <a:t>Keras </a:t>
+              <a:t>Pytorch</a:t>
             </a:r>
             <a:endParaRPr lang="en-US" sz="4400" b="1">
               <a:solidFill>
@@ -3497,78 +3487,6 @@
           </a:p>
         </p:txBody>
       </p:sp>
-    </p:spTree>
-  </p:cSld>
-  <p:clrMapOvr>
-    <a:masterClrMapping/>
-  </p:clrMapOvr>
-</p:sld>
-</file>
-
-<file path=ppt/slides/slide10.xml><?xml version="1.0" encoding="utf-8"?>
-<p:sld xmlns:a="http://schemas.openxmlformats.org/drawingml/2006/main" xmlns:r="http://schemas.openxmlformats.org/officeDocument/2006/relationships" xmlns:p="http://schemas.openxmlformats.org/presentationml/2006/main">
-  <p:cSld>
-    <p:spTree>
-      <p:nvGrpSpPr>
-        <p:cNvPr id="1" name=""/>
-        <p:cNvGrpSpPr/>
-        <p:nvPr/>
-      </p:nvGrpSpPr>
-      <p:grpSpPr/>
-    </p:spTree>
-  </p:cSld>
-  <p:clrMapOvr>
-    <a:masterClrMapping/>
-  </p:clrMapOvr>
-</p:sld>
-</file>
-
-<file path=ppt/slides/slide11.xml><?xml version="1.0" encoding="utf-8"?>
-<p:sld xmlns:a="http://schemas.openxmlformats.org/drawingml/2006/main" xmlns:r="http://schemas.openxmlformats.org/officeDocument/2006/relationships" xmlns:p="http://schemas.openxmlformats.org/presentationml/2006/main">
-  <p:cSld>
-    <p:spTree>
-      <p:nvGrpSpPr>
-        <p:cNvPr id="1" name=""/>
-        <p:cNvGrpSpPr/>
-        <p:nvPr/>
-      </p:nvGrpSpPr>
-      <p:grpSpPr/>
-    </p:spTree>
-  </p:cSld>
-  <p:clrMapOvr>
-    <a:masterClrMapping/>
-  </p:clrMapOvr>
-</p:sld>
-</file>
-
-<file path=ppt/slides/slide12.xml><?xml version="1.0" encoding="utf-8"?>
-<p:sld xmlns:a="http://schemas.openxmlformats.org/drawingml/2006/main" xmlns:r="http://schemas.openxmlformats.org/officeDocument/2006/relationships" xmlns:p="http://schemas.openxmlformats.org/presentationml/2006/main">
-  <p:cSld>
-    <p:spTree>
-      <p:nvGrpSpPr>
-        <p:cNvPr id="1" name=""/>
-        <p:cNvGrpSpPr/>
-        <p:nvPr/>
-      </p:nvGrpSpPr>
-      <p:grpSpPr/>
-    </p:spTree>
-  </p:cSld>
-  <p:clrMapOvr>
-    <a:masterClrMapping/>
-  </p:clrMapOvr>
-</p:sld>
-</file>
-
-<file path=ppt/slides/slide13.xml><?xml version="1.0" encoding="utf-8"?>
-<p:sld xmlns:a="http://schemas.openxmlformats.org/drawingml/2006/main" xmlns:r="http://schemas.openxmlformats.org/officeDocument/2006/relationships" xmlns:p="http://schemas.openxmlformats.org/presentationml/2006/main">
-  <p:cSld>
-    <p:spTree>
-      <p:nvGrpSpPr>
-        <p:cNvPr id="1" name=""/>
-        <p:cNvGrpSpPr/>
-        <p:nvPr/>
-      </p:nvGrpSpPr>
-      <p:grpSpPr/>
     </p:spTree>
   </p:cSld>
   <p:clrMapOvr>
@@ -3587,79 +3505,1556 @@
         <p:nvPr/>
       </p:nvGrpSpPr>
       <p:grpSpPr/>
-      <p:pic>
-        <p:nvPicPr>
-          <p:cNvPr id="4" name="Picture 3"/>
-          <p:cNvPicPr/>
+      <p:sp>
+        <p:nvSpPr>
+          <p:cNvPr id="2" name="Text Box 1"/>
+          <p:cNvSpPr txBox="1"/>
           <p:nvPr/>
-        </p:nvPicPr>
-        <p:blipFill>
-          <a:blip r:embed="rId1"/>
-          <a:stretch>
-            <a:fillRect/>
-          </a:stretch>
-        </p:blipFill>
+        </p:nvSpPr>
         <p:spPr>
           <a:xfrm>
-            <a:off x="238760" y="0"/>
-            <a:ext cx="5855970" cy="4417060"/>
+            <a:off x="138430" y="1993900"/>
+            <a:ext cx="4608830" cy="3876040"/>
           </a:xfrm>
           <a:prstGeom prst="rect">
             <a:avLst/>
           </a:prstGeom>
         </p:spPr>
-      </p:pic>
-      <p:sp>
-        <p:nvSpPr>
-          <p:cNvPr id="5" name="Text Box 4"/>
+        <p:txBody>
+          <a:bodyPr>
+            <a:noAutofit/>
+          </a:bodyPr>
+          <a:p>
+            <a:pPr marL="0" indent="0">
+              <a:spcBef>
+                <a:spcPct val="0"/>
+              </a:spcBef>
+              <a:spcAft>
+                <a:spcPct val="0"/>
+              </a:spcAft>
+            </a:pPr>
+            <a:r>
+              <a:rPr sz="1600" b="0" i="0">
+                <a:solidFill>
+                  <a:srgbClr val="065FD4"/>
+                </a:solidFill>
+                <a:latin typeface="Roboto"/>
+                <a:ea typeface="Roboto"/>
+                <a:hlinkClick r:id="rId1"/>
+              </a:rPr>
+              <a:t>01:12</a:t>
+            </a:r>
+            <a:r>
+              <a:rPr sz="1600" b="0" i="0">
+                <a:solidFill>
+                  <a:srgbClr val="131313"/>
+                </a:solidFill>
+                <a:latin typeface="Roboto"/>
+                <a:ea typeface="Roboto"/>
+              </a:rPr>
+              <a:t> - Before Starting </a:t>
+            </a:r>
+            <a:endParaRPr sz="1600" b="0" i="0">
+              <a:solidFill>
+                <a:srgbClr val="131313"/>
+              </a:solidFill>
+              <a:latin typeface="Roboto"/>
+              <a:ea typeface="Roboto"/>
+            </a:endParaRPr>
+          </a:p>
+          <a:p>
+            <a:pPr marL="0" indent="0">
+              <a:spcBef>
+                <a:spcPct val="0"/>
+              </a:spcBef>
+              <a:spcAft>
+                <a:spcPct val="0"/>
+              </a:spcAft>
+            </a:pPr>
+            <a:r>
+              <a:rPr sz="1600" b="0" i="0">
+                <a:solidFill>
+                  <a:srgbClr val="065FD4"/>
+                </a:solidFill>
+                <a:latin typeface="Roboto"/>
+                <a:ea typeface="Roboto"/>
+                <a:hlinkClick r:id="rId2"/>
+              </a:rPr>
+              <a:t>03:52</a:t>
+            </a:r>
+            <a:r>
+              <a:rPr sz="1600" b="0" i="0">
+                <a:solidFill>
+                  <a:srgbClr val="131313"/>
+                </a:solidFill>
+                <a:latin typeface="Roboto"/>
+                <a:ea typeface="Roboto"/>
+              </a:rPr>
+              <a:t> - What are Tensors? </a:t>
+            </a:r>
+            <a:endParaRPr sz="1600" b="0" i="0">
+              <a:solidFill>
+                <a:srgbClr val="131313"/>
+              </a:solidFill>
+              <a:latin typeface="Roboto"/>
+              <a:ea typeface="Roboto"/>
+            </a:endParaRPr>
+          </a:p>
+          <a:p>
+            <a:pPr marL="0" indent="0">
+              <a:spcBef>
+                <a:spcPct val="0"/>
+              </a:spcBef>
+              <a:spcAft>
+                <a:spcPct val="0"/>
+              </a:spcAft>
+            </a:pPr>
+            <a:r>
+              <a:rPr sz="1600" b="0" i="0">
+                <a:solidFill>
+                  <a:srgbClr val="065FD4"/>
+                </a:solidFill>
+                <a:latin typeface="Roboto"/>
+                <a:ea typeface="Roboto"/>
+                <a:hlinkClick r:id="rId3"/>
+              </a:rPr>
+              <a:t>06:05</a:t>
+            </a:r>
+            <a:r>
+              <a:rPr sz="1600" b="0" i="0">
+                <a:solidFill>
+                  <a:srgbClr val="131313"/>
+                </a:solidFill>
+                <a:latin typeface="Roboto"/>
+                <a:ea typeface="Roboto"/>
+              </a:rPr>
+              <a:t> - Scalar </a:t>
+            </a:r>
+            <a:endParaRPr sz="1600" b="0" i="0">
+              <a:solidFill>
+                <a:srgbClr val="131313"/>
+              </a:solidFill>
+              <a:latin typeface="Roboto"/>
+              <a:ea typeface="Roboto"/>
+            </a:endParaRPr>
+          </a:p>
+          <a:p>
+            <a:pPr marL="0" indent="0">
+              <a:spcBef>
+                <a:spcPct val="0"/>
+              </a:spcBef>
+              <a:spcAft>
+                <a:spcPct val="0"/>
+              </a:spcAft>
+            </a:pPr>
+            <a:r>
+              <a:rPr sz="1600" b="0" i="0">
+                <a:solidFill>
+                  <a:srgbClr val="065FD4"/>
+                </a:solidFill>
+                <a:latin typeface="Roboto"/>
+                <a:ea typeface="Roboto"/>
+                <a:hlinkClick r:id="rId4"/>
+              </a:rPr>
+              <a:t>07:55</a:t>
+            </a:r>
+            <a:r>
+              <a:rPr sz="1600" b="0" i="0">
+                <a:solidFill>
+                  <a:srgbClr val="131313"/>
+                </a:solidFill>
+                <a:latin typeface="Roboto"/>
+                <a:ea typeface="Roboto"/>
+              </a:rPr>
+              <a:t> - Vector</a:t>
+            </a:r>
+            <a:endParaRPr sz="1600" b="0" i="0">
+              <a:solidFill>
+                <a:srgbClr val="131313"/>
+              </a:solidFill>
+              <a:latin typeface="Roboto"/>
+              <a:ea typeface="Roboto"/>
+            </a:endParaRPr>
+          </a:p>
+          <a:p>
+            <a:pPr marL="0" indent="0">
+              <a:spcBef>
+                <a:spcPct val="0"/>
+              </a:spcBef>
+              <a:spcAft>
+                <a:spcPct val="0"/>
+              </a:spcAft>
+            </a:pPr>
+            <a:r>
+              <a:rPr sz="1600" b="0" i="0">
+                <a:solidFill>
+                  <a:srgbClr val="065FD4"/>
+                </a:solidFill>
+                <a:latin typeface="Roboto"/>
+                <a:ea typeface="Roboto"/>
+                <a:hlinkClick r:id="rId5"/>
+              </a:rPr>
+              <a:t>09:08</a:t>
+            </a:r>
+            <a:r>
+              <a:rPr sz="1600" b="0" i="0">
+                <a:solidFill>
+                  <a:srgbClr val="131313"/>
+                </a:solidFill>
+                <a:latin typeface="Roboto"/>
+                <a:ea typeface="Roboto"/>
+              </a:rPr>
+              <a:t> - Matrices </a:t>
+            </a:r>
+            <a:endParaRPr sz="1600" b="0" i="0">
+              <a:solidFill>
+                <a:srgbClr val="131313"/>
+              </a:solidFill>
+              <a:latin typeface="Roboto"/>
+              <a:ea typeface="Roboto"/>
+            </a:endParaRPr>
+          </a:p>
+          <a:p>
+            <a:pPr marL="0" indent="0">
+              <a:spcBef>
+                <a:spcPct val="0"/>
+              </a:spcBef>
+              <a:spcAft>
+                <a:spcPct val="0"/>
+              </a:spcAft>
+            </a:pPr>
+            <a:r>
+              <a:rPr sz="1600" b="0" i="0">
+                <a:solidFill>
+                  <a:srgbClr val="065FD4"/>
+                </a:solidFill>
+                <a:latin typeface="Roboto"/>
+                <a:ea typeface="Roboto"/>
+                <a:hlinkClick r:id="rId6"/>
+              </a:rPr>
+              <a:t>09:47</a:t>
+            </a:r>
+            <a:r>
+              <a:rPr sz="1600" b="0" i="0">
+                <a:solidFill>
+                  <a:srgbClr val="131313"/>
+                </a:solidFill>
+                <a:latin typeface="Roboto"/>
+                <a:ea typeface="Roboto"/>
+              </a:rPr>
+              <a:t> - 3D Tensors </a:t>
+            </a:r>
+            <a:endParaRPr sz="1600" b="0" i="0">
+              <a:solidFill>
+                <a:srgbClr val="131313"/>
+              </a:solidFill>
+              <a:latin typeface="Roboto"/>
+              <a:ea typeface="Roboto"/>
+            </a:endParaRPr>
+          </a:p>
+          <a:p>
+            <a:pPr marL="0" indent="0">
+              <a:spcBef>
+                <a:spcPct val="0"/>
+              </a:spcBef>
+              <a:spcAft>
+                <a:spcPct val="0"/>
+              </a:spcAft>
+            </a:pPr>
+            <a:r>
+              <a:rPr sz="1600" b="0" i="0">
+                <a:solidFill>
+                  <a:srgbClr val="065FD4"/>
+                </a:solidFill>
+                <a:latin typeface="Roboto"/>
+                <a:ea typeface="Roboto"/>
+                <a:hlinkClick r:id="rId7"/>
+              </a:rPr>
+              <a:t>10:56</a:t>
+            </a:r>
+            <a:r>
+              <a:rPr sz="1600" b="0" i="0">
+                <a:solidFill>
+                  <a:srgbClr val="131313"/>
+                </a:solidFill>
+                <a:latin typeface="Roboto"/>
+                <a:ea typeface="Roboto"/>
+              </a:rPr>
+              <a:t> - 4D Tensors </a:t>
+            </a:r>
+            <a:endParaRPr sz="1600" b="0" i="0">
+              <a:solidFill>
+                <a:srgbClr val="131313"/>
+              </a:solidFill>
+              <a:latin typeface="Roboto"/>
+              <a:ea typeface="Roboto"/>
+            </a:endParaRPr>
+          </a:p>
+          <a:p>
+            <a:pPr marL="0" indent="0">
+              <a:spcBef>
+                <a:spcPct val="0"/>
+              </a:spcBef>
+              <a:spcAft>
+                <a:spcPct val="0"/>
+              </a:spcAft>
+            </a:pPr>
+            <a:r>
+              <a:rPr sz="1600" b="0" i="0">
+                <a:solidFill>
+                  <a:srgbClr val="065FD4"/>
+                </a:solidFill>
+                <a:latin typeface="Roboto"/>
+                <a:ea typeface="Roboto"/>
+                <a:hlinkClick r:id="rId8"/>
+              </a:rPr>
+              <a:t>11:55</a:t>
+            </a:r>
+            <a:r>
+              <a:rPr sz="1600" b="0" i="0">
+                <a:solidFill>
+                  <a:srgbClr val="131313"/>
+                </a:solidFill>
+                <a:latin typeface="Roboto"/>
+                <a:ea typeface="Roboto"/>
+              </a:rPr>
+              <a:t> - 5D Tensors </a:t>
+            </a:r>
+            <a:endParaRPr sz="1600" b="0" i="0">
+              <a:solidFill>
+                <a:srgbClr val="131313"/>
+              </a:solidFill>
+              <a:latin typeface="Roboto"/>
+              <a:ea typeface="Roboto"/>
+            </a:endParaRPr>
+          </a:p>
+          <a:p>
+            <a:pPr marL="0" indent="0">
+              <a:spcBef>
+                <a:spcPct val="0"/>
+              </a:spcBef>
+              <a:spcAft>
+                <a:spcPct val="0"/>
+              </a:spcAft>
+            </a:pPr>
+            <a:r>
+              <a:rPr sz="1600" b="0" i="0">
+                <a:solidFill>
+                  <a:srgbClr val="065FD4"/>
+                </a:solidFill>
+                <a:latin typeface="Roboto"/>
+                <a:ea typeface="Roboto"/>
+                <a:hlinkClick r:id="rId9"/>
+              </a:rPr>
+              <a:t>13:45</a:t>
+            </a:r>
+            <a:r>
+              <a:rPr sz="1600" b="0" i="0">
+                <a:solidFill>
+                  <a:srgbClr val="131313"/>
+                </a:solidFill>
+                <a:latin typeface="Roboto"/>
+                <a:ea typeface="Roboto"/>
+              </a:rPr>
+              <a:t> - Why are Tensors Useful? </a:t>
+            </a:r>
+            <a:endParaRPr sz="1600" b="0" i="0">
+              <a:solidFill>
+                <a:srgbClr val="131313"/>
+              </a:solidFill>
+              <a:latin typeface="Roboto"/>
+              <a:ea typeface="Roboto"/>
+            </a:endParaRPr>
+          </a:p>
+          <a:p>
+            <a:pPr marL="0" indent="0">
+              <a:spcBef>
+                <a:spcPct val="0"/>
+              </a:spcBef>
+              <a:spcAft>
+                <a:spcPct val="0"/>
+              </a:spcAft>
+            </a:pPr>
+            <a:r>
+              <a:rPr sz="1600" b="0" i="0">
+                <a:solidFill>
+                  <a:srgbClr val="065FD4"/>
+                </a:solidFill>
+                <a:latin typeface="Roboto"/>
+                <a:ea typeface="Roboto"/>
+                <a:hlinkClick r:id="rId10"/>
+              </a:rPr>
+              <a:t>17:35</a:t>
+            </a:r>
+            <a:r>
+              <a:rPr sz="1600" b="0" i="0">
+                <a:solidFill>
+                  <a:srgbClr val="131313"/>
+                </a:solidFill>
+                <a:latin typeface="Roboto"/>
+                <a:ea typeface="Roboto"/>
+              </a:rPr>
+              <a:t> - Where are Tensors used in Deep Learning? </a:t>
+            </a:r>
+            <a:endParaRPr sz="1600" b="0" i="0">
+              <a:solidFill>
+                <a:srgbClr val="131313"/>
+              </a:solidFill>
+              <a:latin typeface="Roboto"/>
+              <a:ea typeface="Roboto"/>
+            </a:endParaRPr>
+          </a:p>
+          <a:p>
+            <a:pPr marL="0" indent="0">
+              <a:spcBef>
+                <a:spcPct val="0"/>
+              </a:spcBef>
+              <a:spcAft>
+                <a:spcPct val="0"/>
+              </a:spcAft>
+            </a:pPr>
+            <a:r>
+              <a:rPr sz="1600" b="0" i="0">
+                <a:solidFill>
+                  <a:srgbClr val="065FD4"/>
+                </a:solidFill>
+                <a:latin typeface="Roboto"/>
+                <a:ea typeface="Roboto"/>
+                <a:hlinkClick r:id="rId11"/>
+              </a:rPr>
+              <a:t>19:54</a:t>
+            </a:r>
+            <a:r>
+              <a:rPr sz="1600" b="0" i="0">
+                <a:solidFill>
+                  <a:srgbClr val="131313"/>
+                </a:solidFill>
+                <a:latin typeface="Roboto"/>
+                <a:ea typeface="Roboto"/>
+              </a:rPr>
+              <a:t> - Practical with Code Example </a:t>
+            </a:r>
+            <a:endParaRPr sz="1600" b="0" i="0">
+              <a:solidFill>
+                <a:srgbClr val="131313"/>
+              </a:solidFill>
+              <a:latin typeface="Roboto"/>
+              <a:ea typeface="Roboto"/>
+            </a:endParaRPr>
+          </a:p>
+          <a:p>
+            <a:pPr marL="0" indent="0">
+              <a:spcBef>
+                <a:spcPct val="0"/>
+              </a:spcBef>
+              <a:spcAft>
+                <a:spcPct val="0"/>
+              </a:spcAft>
+            </a:pPr>
+            <a:r>
+              <a:rPr sz="1600" b="0" i="0">
+                <a:solidFill>
+                  <a:srgbClr val="065FD4"/>
+                </a:solidFill>
+                <a:latin typeface="Roboto"/>
+                <a:ea typeface="Roboto"/>
+                <a:hlinkClick r:id="rId12"/>
+              </a:rPr>
+              <a:t>23:20</a:t>
+            </a:r>
+            <a:r>
+              <a:rPr sz="1600" b="0" i="0">
+                <a:solidFill>
+                  <a:srgbClr val="131313"/>
+                </a:solidFill>
+                <a:latin typeface="Roboto"/>
+                <a:ea typeface="Roboto"/>
+              </a:rPr>
+              <a:t> - Creating a Tensor </a:t>
+            </a:r>
+            <a:endParaRPr sz="1600" b="0" i="0">
+              <a:solidFill>
+                <a:srgbClr val="131313"/>
+              </a:solidFill>
+              <a:latin typeface="Roboto"/>
+              <a:ea typeface="Roboto"/>
+            </a:endParaRPr>
+          </a:p>
+          <a:p>
+            <a:pPr marL="0" indent="0">
+              <a:spcBef>
+                <a:spcPct val="0"/>
+              </a:spcBef>
+              <a:spcAft>
+                <a:spcPct val="0"/>
+              </a:spcAft>
+            </a:pPr>
+            <a:r>
+              <a:rPr sz="1600" b="0" i="0">
+                <a:solidFill>
+                  <a:srgbClr val="065FD4"/>
+                </a:solidFill>
+                <a:latin typeface="Roboto"/>
+                <a:ea typeface="Roboto"/>
+                <a:hlinkClick r:id="rId13"/>
+              </a:rPr>
+              <a:t>30:30</a:t>
+            </a:r>
+            <a:r>
+              <a:rPr sz="1600" b="0" i="0">
+                <a:solidFill>
+                  <a:srgbClr val="131313"/>
+                </a:solidFill>
+                <a:latin typeface="Roboto"/>
+                <a:ea typeface="Roboto"/>
+              </a:rPr>
+              <a:t> - Tensor Shapes </a:t>
+            </a:r>
+            <a:endParaRPr sz="1600" b="0" i="0">
+              <a:solidFill>
+                <a:srgbClr val="131313"/>
+              </a:solidFill>
+              <a:latin typeface="Roboto"/>
+              <a:ea typeface="Roboto"/>
+            </a:endParaRPr>
+          </a:p>
+          <a:p>
+            <a:pPr marL="0" indent="0">
+              <a:spcBef>
+                <a:spcPct val="0"/>
+              </a:spcBef>
+              <a:spcAft>
+                <a:spcPct val="0"/>
+              </a:spcAft>
+            </a:pPr>
+            <a:r>
+              <a:rPr sz="1600" b="0" i="0">
+                <a:solidFill>
+                  <a:srgbClr val="065FD4"/>
+                </a:solidFill>
+                <a:latin typeface="Roboto"/>
+                <a:ea typeface="Roboto"/>
+                <a:hlinkClick r:id="rId14"/>
+              </a:rPr>
+              <a:t>34:35</a:t>
+            </a:r>
+            <a:r>
+              <a:rPr sz="1600" b="0" i="0">
+                <a:solidFill>
+                  <a:srgbClr val="131313"/>
+                </a:solidFill>
+                <a:latin typeface="Roboto"/>
+                <a:ea typeface="Roboto"/>
+              </a:rPr>
+              <a:t> - Tensor Data Types </a:t>
+            </a:r>
+            <a:endParaRPr sz="1600" b="0" i="0">
+              <a:solidFill>
+                <a:srgbClr val="131313"/>
+              </a:solidFill>
+              <a:latin typeface="Roboto"/>
+              <a:ea typeface="Roboto"/>
+            </a:endParaRPr>
+          </a:p>
+          <a:p>
+            <a:pPr marL="0" indent="0">
+              <a:spcBef>
+                <a:spcPct val="0"/>
+              </a:spcBef>
+              <a:spcAft>
+                <a:spcPct val="0"/>
+              </a:spcAft>
+            </a:pPr>
+            <a:r>
+              <a:rPr sz="1600" b="0" i="0">
+                <a:solidFill>
+                  <a:srgbClr val="065FD4"/>
+                </a:solidFill>
+                <a:latin typeface="Roboto"/>
+                <a:ea typeface="Roboto"/>
+                <a:hlinkClick r:id="rId15"/>
+              </a:rPr>
+              <a:t>38:06</a:t>
+            </a:r>
+            <a:r>
+              <a:rPr sz="1600" b="0" i="0">
+                <a:solidFill>
+                  <a:srgbClr val="131313"/>
+                </a:solidFill>
+                <a:latin typeface="Roboto"/>
+                <a:ea typeface="Roboto"/>
+              </a:rPr>
+              <a:t> - Mathematical Operations on Tensors </a:t>
+            </a:r>
+            <a:endParaRPr sz="1600" b="0" i="0">
+              <a:solidFill>
+                <a:srgbClr val="131313"/>
+              </a:solidFill>
+              <a:latin typeface="Roboto"/>
+              <a:ea typeface="Roboto"/>
+            </a:endParaRPr>
+          </a:p>
+          <a:p>
+            <a:pPr marL="0" indent="0">
+              <a:spcBef>
+                <a:spcPct val="0"/>
+              </a:spcBef>
+              <a:spcAft>
+                <a:spcPct val="0"/>
+              </a:spcAft>
+            </a:pPr>
+            <a:r>
+              <a:rPr sz="1600" b="0" i="0">
+                <a:solidFill>
+                  <a:srgbClr val="065FD4"/>
+                </a:solidFill>
+                <a:latin typeface="Roboto"/>
+                <a:ea typeface="Roboto"/>
+                <a:hlinkClick r:id="rId16"/>
+              </a:rPr>
+              <a:t>53:11</a:t>
+            </a:r>
+            <a:r>
+              <a:rPr sz="1600" b="0" i="0">
+                <a:solidFill>
+                  <a:srgbClr val="131313"/>
+                </a:solidFill>
+                <a:latin typeface="Roboto"/>
+                <a:ea typeface="Roboto"/>
+              </a:rPr>
+              <a:t> - Inplace Operations </a:t>
+            </a:r>
+            <a:endParaRPr sz="1600" b="0" i="0">
+              <a:solidFill>
+                <a:srgbClr val="131313"/>
+              </a:solidFill>
+              <a:latin typeface="Roboto"/>
+              <a:ea typeface="Roboto"/>
+            </a:endParaRPr>
+          </a:p>
+          <a:p>
+            <a:pPr marL="0" indent="0">
+              <a:spcBef>
+                <a:spcPct val="0"/>
+              </a:spcBef>
+              <a:spcAft>
+                <a:spcPct val="0"/>
+              </a:spcAft>
+            </a:pPr>
+            <a:r>
+              <a:rPr sz="1600" b="0" i="0">
+                <a:solidFill>
+                  <a:srgbClr val="065FD4"/>
+                </a:solidFill>
+                <a:latin typeface="Roboto"/>
+                <a:ea typeface="Roboto"/>
+                <a:hlinkClick r:id="rId17"/>
+              </a:rPr>
+              <a:t>56:57</a:t>
+            </a:r>
+            <a:r>
+              <a:rPr sz="1600" b="0" i="0">
+                <a:solidFill>
+                  <a:srgbClr val="131313"/>
+                </a:solidFill>
+                <a:latin typeface="Roboto"/>
+                <a:ea typeface="Roboto"/>
+              </a:rPr>
+              <a:t> - Copying a Tensor </a:t>
+            </a:r>
+            <a:endParaRPr sz="1600" b="0" i="0">
+              <a:solidFill>
+                <a:srgbClr val="131313"/>
+              </a:solidFill>
+              <a:latin typeface="Roboto"/>
+              <a:ea typeface="Roboto"/>
+            </a:endParaRPr>
+          </a:p>
+          <a:p>
+            <a:pPr marL="0" indent="0">
+              <a:spcBef>
+                <a:spcPct val="0"/>
+              </a:spcBef>
+              <a:spcAft>
+                <a:spcPct val="0"/>
+              </a:spcAft>
+            </a:pPr>
+            <a:r>
+              <a:rPr sz="1600" b="0" i="0">
+                <a:solidFill>
+                  <a:srgbClr val="065FD4"/>
+                </a:solidFill>
+                <a:latin typeface="Roboto"/>
+                <a:ea typeface="Roboto"/>
+                <a:hlinkClick r:id="rId18"/>
+              </a:rPr>
+              <a:t>01:00:15</a:t>
+            </a:r>
+            <a:r>
+              <a:rPr sz="1600" b="0" i="0">
+                <a:solidFill>
+                  <a:srgbClr val="131313"/>
+                </a:solidFill>
+                <a:latin typeface="Roboto"/>
+                <a:ea typeface="Roboto"/>
+              </a:rPr>
+              <a:t> - Tensor Operations on GPU </a:t>
+            </a:r>
+            <a:endParaRPr sz="1600" b="0" i="0">
+              <a:solidFill>
+                <a:srgbClr val="131313"/>
+              </a:solidFill>
+              <a:latin typeface="Roboto"/>
+              <a:ea typeface="Roboto"/>
+            </a:endParaRPr>
+          </a:p>
+          <a:p>
+            <a:pPr marL="0" indent="0">
+              <a:spcBef>
+                <a:spcPct val="0"/>
+              </a:spcBef>
+              <a:spcAft>
+                <a:spcPct val="0"/>
+              </a:spcAft>
+            </a:pPr>
+            <a:r>
+              <a:rPr sz="1600" b="0" i="0">
+                <a:solidFill>
+                  <a:srgbClr val="065FD4"/>
+                </a:solidFill>
+                <a:latin typeface="Roboto"/>
+                <a:ea typeface="Roboto"/>
+                <a:hlinkClick r:id="rId19"/>
+              </a:rPr>
+              <a:t>01:05:37</a:t>
+            </a:r>
+            <a:r>
+              <a:rPr sz="1600" b="0" i="0">
+                <a:solidFill>
+                  <a:srgbClr val="131313"/>
+                </a:solidFill>
+                <a:latin typeface="Roboto"/>
+                <a:ea typeface="Roboto"/>
+              </a:rPr>
+              <a:t> - Reshaping Tensors </a:t>
+            </a:r>
+            <a:endParaRPr sz="1600" b="0" i="0">
+              <a:solidFill>
+                <a:srgbClr val="131313"/>
+              </a:solidFill>
+              <a:latin typeface="Roboto"/>
+              <a:ea typeface="Roboto"/>
+            </a:endParaRPr>
+          </a:p>
+          <a:p>
+            <a:pPr marL="0" indent="0">
+              <a:spcBef>
+                <a:spcPct val="0"/>
+              </a:spcBef>
+              <a:spcAft>
+                <a:spcPct val="0"/>
+              </a:spcAft>
+            </a:pPr>
+            <a:r>
+              <a:rPr sz="1600" b="0" i="0">
+                <a:solidFill>
+                  <a:srgbClr val="065FD4"/>
+                </a:solidFill>
+                <a:latin typeface="Roboto"/>
+                <a:ea typeface="Roboto"/>
+                <a:hlinkClick r:id="rId20"/>
+              </a:rPr>
+              <a:t>01:11:18</a:t>
+            </a:r>
+            <a:r>
+              <a:rPr sz="1600" b="0" i="0">
+                <a:solidFill>
+                  <a:srgbClr val="131313"/>
+                </a:solidFill>
+                <a:latin typeface="Roboto"/>
+                <a:ea typeface="Roboto"/>
+              </a:rPr>
+              <a:t> - NumPy and PyTorch</a:t>
+            </a:r>
+            <a:endParaRPr sz="1600" b="0" i="0">
+              <a:solidFill>
+                <a:srgbClr val="131313"/>
+              </a:solidFill>
+              <a:latin typeface="Roboto"/>
+              <a:ea typeface="Roboto"/>
+            </a:endParaRPr>
+          </a:p>
+        </p:txBody>
+      </p:sp>
+      <p:sp>
+        <p:nvSpPr>
+          <p:cNvPr id="3" name="Text Box 2"/>
           <p:cNvSpPr txBox="1"/>
           <p:nvPr/>
         </p:nvSpPr>
         <p:spPr>
           <a:xfrm>
-            <a:off x="238760" y="6318250"/>
-            <a:ext cx="6096000" cy="368300"/>
-          </a:xfrm>
-          <a:prstGeom prst="rect">
-            <a:avLst/>
-          </a:prstGeom>
-          <a:noFill/>
-        </p:spPr>
-        <p:txBody>
-          <a:bodyPr wrap="square" rtlCol="0" anchor="t">
-            <a:spAutoFit/>
-          </a:bodyPr>
-          <a:p>
-            <a:r>
-              <a:rPr lang="en-US" altLang="en-US"/>
-              <a:t>https://ellow.io/components-of-ai/</a:t>
-            </a:r>
-            <a:endParaRPr lang="en-US"/>
-          </a:p>
-        </p:txBody>
-      </p:sp>
-      <p:pic>
-        <p:nvPicPr>
-          <p:cNvPr id="6" name="Picture 5"/>
-          <p:cNvPicPr/>
-          <p:nvPr/>
-        </p:nvPicPr>
-        <p:blipFill>
-          <a:blip r:embed="rId2"/>
-          <a:stretch>
-            <a:fillRect/>
-          </a:stretch>
-        </p:blipFill>
-        <p:spPr>
-          <a:xfrm>
-            <a:off x="6477000" y="2571750"/>
-            <a:ext cx="5715000" cy="4286250"/>
+            <a:off x="138430" y="179070"/>
+            <a:ext cx="3862705" cy="1814830"/>
           </a:xfrm>
           <a:prstGeom prst="rect">
             <a:avLst/>
           </a:prstGeom>
         </p:spPr>
-      </p:pic>
+        <p:txBody>
+          <a:bodyPr wrap="square">
+            <a:spAutoFit/>
+          </a:bodyPr>
+          <a:p>
+            <a:pPr marL="0" indent="0">
+              <a:spcBef>
+                <a:spcPct val="0"/>
+              </a:spcBef>
+              <a:spcAft>
+                <a:spcPct val="0"/>
+              </a:spcAft>
+            </a:pPr>
+            <a:r>
+              <a:rPr sz="1600" b="0" i="0">
+                <a:solidFill>
+                  <a:srgbClr val="065FD4"/>
+                </a:solidFill>
+                <a:latin typeface="Roboto"/>
+                <a:ea typeface="Roboto"/>
+                <a:hlinkClick r:id="rId21"/>
+              </a:rPr>
+              <a:t>00:00</a:t>
+            </a:r>
+            <a:r>
+              <a:rPr sz="1600" b="0" i="0">
+                <a:solidFill>
+                  <a:srgbClr val="131313"/>
+                </a:solidFill>
+                <a:latin typeface="Roboto"/>
+                <a:ea typeface="Roboto"/>
+              </a:rPr>
+              <a:t> - Intro </a:t>
+            </a:r>
+            <a:endParaRPr sz="1600" b="0" i="0">
+              <a:solidFill>
+                <a:srgbClr val="131313"/>
+              </a:solidFill>
+              <a:latin typeface="Roboto"/>
+              <a:ea typeface="Roboto"/>
+            </a:endParaRPr>
+          </a:p>
+          <a:p>
+            <a:pPr marL="0" indent="0">
+              <a:spcBef>
+                <a:spcPct val="0"/>
+              </a:spcBef>
+              <a:spcAft>
+                <a:spcPct val="0"/>
+              </a:spcAft>
+            </a:pPr>
+            <a:r>
+              <a:rPr sz="1600" b="0" i="0">
+                <a:solidFill>
+                  <a:srgbClr val="065FD4"/>
+                </a:solidFill>
+                <a:latin typeface="Roboto"/>
+                <a:ea typeface="Roboto"/>
+                <a:hlinkClick r:id="rId22"/>
+              </a:rPr>
+              <a:t>02:49</a:t>
+            </a:r>
+            <a:r>
+              <a:rPr sz="1600" b="0" i="0">
+                <a:solidFill>
+                  <a:srgbClr val="131313"/>
+                </a:solidFill>
+                <a:latin typeface="Roboto"/>
+                <a:ea typeface="Roboto"/>
+              </a:rPr>
+              <a:t> - Journey of PyTorch</a:t>
+            </a:r>
+            <a:endParaRPr sz="1600" b="0" i="0">
+              <a:solidFill>
+                <a:srgbClr val="131313"/>
+              </a:solidFill>
+              <a:latin typeface="Roboto"/>
+              <a:ea typeface="Roboto"/>
+            </a:endParaRPr>
+          </a:p>
+          <a:p>
+            <a:pPr marL="0" indent="0">
+              <a:spcBef>
+                <a:spcPct val="0"/>
+              </a:spcBef>
+              <a:spcAft>
+                <a:spcPct val="0"/>
+              </a:spcAft>
+            </a:pPr>
+            <a:r>
+              <a:rPr sz="1600" b="0" i="0">
+                <a:solidFill>
+                  <a:srgbClr val="131313"/>
+                </a:solidFill>
+                <a:latin typeface="Roboto"/>
+                <a:ea typeface="Roboto"/>
+              </a:rPr>
+              <a:t> </a:t>
+            </a:r>
+            <a:r>
+              <a:rPr sz="1600" b="0" i="0">
+                <a:solidFill>
+                  <a:srgbClr val="065FD4"/>
+                </a:solidFill>
+                <a:latin typeface="Roboto"/>
+                <a:ea typeface="Roboto"/>
+                <a:hlinkClick r:id="rId23"/>
+              </a:rPr>
+              <a:t>26:43</a:t>
+            </a:r>
+            <a:r>
+              <a:rPr sz="1600" b="0" i="0">
+                <a:solidFill>
+                  <a:srgbClr val="131313"/>
+                </a:solidFill>
+                <a:latin typeface="Roboto"/>
+                <a:ea typeface="Roboto"/>
+              </a:rPr>
+              <a:t> - Core Features in PyTorch </a:t>
+            </a:r>
+            <a:endParaRPr sz="1600" b="0" i="0">
+              <a:solidFill>
+                <a:srgbClr val="131313"/>
+              </a:solidFill>
+              <a:latin typeface="Roboto"/>
+              <a:ea typeface="Roboto"/>
+            </a:endParaRPr>
+          </a:p>
+          <a:p>
+            <a:pPr marL="0" indent="0">
+              <a:spcBef>
+                <a:spcPct val="0"/>
+              </a:spcBef>
+              <a:spcAft>
+                <a:spcPct val="0"/>
+              </a:spcAft>
+            </a:pPr>
+            <a:r>
+              <a:rPr sz="1600" b="0" i="0">
+                <a:solidFill>
+                  <a:srgbClr val="065FD4"/>
+                </a:solidFill>
+                <a:latin typeface="Roboto"/>
+                <a:ea typeface="Roboto"/>
+                <a:hlinkClick r:id="rId24"/>
+              </a:rPr>
+              <a:t>30:45</a:t>
+            </a:r>
+            <a:r>
+              <a:rPr sz="1600" b="0" i="0">
+                <a:solidFill>
+                  <a:srgbClr val="131313"/>
+                </a:solidFill>
+                <a:latin typeface="Roboto"/>
+                <a:ea typeface="Roboto"/>
+              </a:rPr>
+              <a:t> - PyTorch or TensorFlow?</a:t>
+            </a:r>
+            <a:endParaRPr sz="1600" b="0" i="0">
+              <a:solidFill>
+                <a:srgbClr val="131313"/>
+              </a:solidFill>
+              <a:latin typeface="Roboto"/>
+              <a:ea typeface="Roboto"/>
+            </a:endParaRPr>
+          </a:p>
+          <a:p>
+            <a:pPr marL="0" indent="0">
+              <a:spcBef>
+                <a:spcPct val="0"/>
+              </a:spcBef>
+              <a:spcAft>
+                <a:spcPct val="0"/>
+              </a:spcAft>
+            </a:pPr>
+            <a:r>
+              <a:rPr sz="1600" b="0" i="0">
+                <a:solidFill>
+                  <a:srgbClr val="131313"/>
+                </a:solidFill>
+                <a:latin typeface="Roboto"/>
+                <a:ea typeface="Roboto"/>
+              </a:rPr>
+              <a:t> </a:t>
+            </a:r>
+            <a:r>
+              <a:rPr sz="1600" b="0" i="0">
+                <a:solidFill>
+                  <a:srgbClr val="065FD4"/>
+                </a:solidFill>
+                <a:latin typeface="Roboto"/>
+                <a:ea typeface="Roboto"/>
+                <a:hlinkClick r:id="rId25"/>
+              </a:rPr>
+              <a:t>42:22</a:t>
+            </a:r>
+            <a:r>
+              <a:rPr sz="1600" b="0" i="0">
+                <a:solidFill>
+                  <a:srgbClr val="131313"/>
+                </a:solidFill>
+                <a:latin typeface="Roboto"/>
+                <a:ea typeface="Roboto"/>
+              </a:rPr>
+              <a:t> - Core Modules in PyTorch</a:t>
+            </a:r>
+            <a:endParaRPr sz="1600" b="0" i="0">
+              <a:solidFill>
+                <a:srgbClr val="131313"/>
+              </a:solidFill>
+              <a:latin typeface="Roboto"/>
+              <a:ea typeface="Roboto"/>
+            </a:endParaRPr>
+          </a:p>
+          <a:p>
+            <a:pPr marL="0" indent="0">
+              <a:spcBef>
+                <a:spcPct val="0"/>
+              </a:spcBef>
+              <a:spcAft>
+                <a:spcPct val="0"/>
+              </a:spcAft>
+            </a:pPr>
+            <a:r>
+              <a:rPr sz="1600" b="0" i="0">
+                <a:solidFill>
+                  <a:srgbClr val="131313"/>
+                </a:solidFill>
+                <a:latin typeface="Roboto"/>
+                <a:ea typeface="Roboto"/>
+              </a:rPr>
+              <a:t> </a:t>
+            </a:r>
+            <a:r>
+              <a:rPr sz="1600" b="0" i="0">
+                <a:solidFill>
+                  <a:srgbClr val="065FD4"/>
+                </a:solidFill>
+                <a:latin typeface="Roboto"/>
+                <a:ea typeface="Roboto"/>
+                <a:hlinkClick r:id="rId26"/>
+              </a:rPr>
+              <a:t>46:39</a:t>
+            </a:r>
+            <a:r>
+              <a:rPr sz="1600" b="0" i="0">
+                <a:solidFill>
+                  <a:srgbClr val="131313"/>
+                </a:solidFill>
+                <a:latin typeface="Roboto"/>
+                <a:ea typeface="Roboto"/>
+              </a:rPr>
+              <a:t> - Where is PyTorch used in Industry? </a:t>
+            </a:r>
+            <a:endParaRPr sz="1600" b="0" i="0">
+              <a:solidFill>
+                <a:srgbClr val="131313"/>
+              </a:solidFill>
+              <a:latin typeface="Roboto"/>
+              <a:ea typeface="Roboto"/>
+            </a:endParaRPr>
+          </a:p>
+          <a:p>
+            <a:pPr marL="0" indent="0">
+              <a:spcBef>
+                <a:spcPct val="0"/>
+              </a:spcBef>
+              <a:spcAft>
+                <a:spcPct val="0"/>
+              </a:spcAft>
+            </a:pPr>
+            <a:r>
+              <a:rPr sz="1600" b="0" i="0">
+                <a:solidFill>
+                  <a:srgbClr val="065FD4"/>
+                </a:solidFill>
+                <a:latin typeface="Roboto"/>
+                <a:ea typeface="Roboto"/>
+                <a:hlinkClick r:id="rId27"/>
+              </a:rPr>
+              <a:t>49:52</a:t>
+            </a:r>
+            <a:r>
+              <a:rPr sz="1600" b="0" i="0">
+                <a:solidFill>
+                  <a:srgbClr val="131313"/>
+                </a:solidFill>
+                <a:latin typeface="Roboto"/>
+                <a:ea typeface="Roboto"/>
+              </a:rPr>
+              <a:t> - Plan of Attack</a:t>
+            </a:r>
+            <a:endParaRPr sz="1600" b="0" i="0">
+              <a:solidFill>
+                <a:srgbClr val="131313"/>
+              </a:solidFill>
+              <a:latin typeface="Roboto"/>
+              <a:ea typeface="Roboto"/>
+            </a:endParaRPr>
+          </a:p>
+        </p:txBody>
+      </p:sp>
+      <p:sp>
+        <p:nvSpPr>
+          <p:cNvPr id="4" name="Text Box 3"/>
+          <p:cNvSpPr txBox="1"/>
+          <p:nvPr/>
+        </p:nvSpPr>
+        <p:spPr>
+          <a:xfrm>
+            <a:off x="4272915" y="616267"/>
+            <a:ext cx="5080000" cy="583565"/>
+          </a:xfrm>
+          <a:prstGeom prst="rect">
+            <a:avLst/>
+          </a:prstGeom>
+        </p:spPr>
+        <p:txBody>
+          <a:bodyPr>
+            <a:spAutoFit/>
+          </a:bodyPr>
+          <a:p>
+            <a:pPr marL="0" indent="0">
+              <a:spcBef>
+                <a:spcPct val="0"/>
+              </a:spcBef>
+              <a:spcAft>
+                <a:spcPct val="0"/>
+              </a:spcAft>
+            </a:pPr>
+            <a:r>
+              <a:rPr sz="1600" b="0" i="0">
+                <a:solidFill>
+                  <a:srgbClr val="065FD4"/>
+                </a:solidFill>
+                <a:latin typeface="Roboto"/>
+                <a:ea typeface="Roboto"/>
+                <a:hlinkClick r:id="rId28"/>
+              </a:rPr>
+              <a:t>01:00</a:t>
+            </a:r>
+            <a:r>
+              <a:rPr sz="1600" b="0" i="0">
+                <a:solidFill>
+                  <a:srgbClr val="131313"/>
+                </a:solidFill>
+                <a:latin typeface="Roboto"/>
+                <a:ea typeface="Roboto"/>
+              </a:rPr>
+              <a:t> - Why is Autograd Important? </a:t>
+            </a:r>
+            <a:endParaRPr sz="1600" b="0" i="0">
+              <a:solidFill>
+                <a:srgbClr val="131313"/>
+              </a:solidFill>
+              <a:latin typeface="Roboto"/>
+              <a:ea typeface="Roboto"/>
+            </a:endParaRPr>
+          </a:p>
+          <a:p>
+            <a:pPr marL="0" indent="0">
+              <a:spcBef>
+                <a:spcPct val="0"/>
+              </a:spcBef>
+              <a:spcAft>
+                <a:spcPct val="0"/>
+              </a:spcAft>
+            </a:pPr>
+            <a:r>
+              <a:rPr sz="1600" b="0" i="0">
+                <a:solidFill>
+                  <a:srgbClr val="065FD4"/>
+                </a:solidFill>
+                <a:latin typeface="Roboto"/>
+                <a:ea typeface="Roboto"/>
+                <a:hlinkClick r:id="rId29"/>
+              </a:rPr>
+              <a:t>13:49</a:t>
+            </a:r>
+            <a:r>
+              <a:rPr sz="1600" b="0" i="0">
+                <a:solidFill>
+                  <a:srgbClr val="131313"/>
+                </a:solidFill>
+                <a:latin typeface="Roboto"/>
+                <a:ea typeface="Roboto"/>
+              </a:rPr>
+              <a:t> - What is Autograd?</a:t>
+            </a:r>
+            <a:endParaRPr sz="1600" b="0" i="0">
+              <a:solidFill>
+                <a:srgbClr val="131313"/>
+              </a:solidFill>
+              <a:latin typeface="Roboto"/>
+              <a:ea typeface="Roboto"/>
+            </a:endParaRPr>
+          </a:p>
+        </p:txBody>
+      </p:sp>
+      <p:sp>
+        <p:nvSpPr>
+          <p:cNvPr id="5" name="Text Box 4"/>
+          <p:cNvSpPr txBox="1"/>
+          <p:nvPr/>
+        </p:nvSpPr>
+        <p:spPr>
+          <a:xfrm>
+            <a:off x="4272915" y="1456372"/>
+            <a:ext cx="5080000" cy="2553335"/>
+          </a:xfrm>
+          <a:prstGeom prst="rect">
+            <a:avLst/>
+          </a:prstGeom>
+        </p:spPr>
+        <p:txBody>
+          <a:bodyPr>
+            <a:spAutoFit/>
+          </a:bodyPr>
+          <a:p>
+            <a:pPr marL="0" indent="0">
+              <a:spcBef>
+                <a:spcPct val="0"/>
+              </a:spcBef>
+              <a:spcAft>
+                <a:spcPct val="0"/>
+              </a:spcAft>
+            </a:pPr>
+            <a:r>
+              <a:rPr sz="1600" b="0" i="0">
+                <a:solidFill>
+                  <a:srgbClr val="131313"/>
+                </a:solidFill>
+                <a:latin typeface="Roboto"/>
+                <a:ea typeface="Roboto"/>
+              </a:rPr>
+              <a:t> Plan of Attack / Revision </a:t>
+            </a:r>
+            <a:endParaRPr sz="1600" b="0" i="0">
+              <a:solidFill>
+                <a:srgbClr val="131313"/>
+              </a:solidFill>
+              <a:latin typeface="Roboto"/>
+              <a:ea typeface="Roboto"/>
+            </a:endParaRPr>
+          </a:p>
+          <a:p>
+            <a:pPr marL="0" indent="0">
+              <a:spcBef>
+                <a:spcPct val="0"/>
+              </a:spcBef>
+              <a:spcAft>
+                <a:spcPct val="0"/>
+              </a:spcAft>
+            </a:pPr>
+            <a:r>
+              <a:rPr sz="1600" b="0" i="0">
+                <a:solidFill>
+                  <a:srgbClr val="065FD4"/>
+                </a:solidFill>
+                <a:latin typeface="Roboto"/>
+                <a:ea typeface="Roboto"/>
+                <a:hlinkClick r:id="rId30"/>
+              </a:rPr>
+              <a:t>04:07</a:t>
+            </a:r>
+            <a:r>
+              <a:rPr sz="1600" b="0" i="0">
+                <a:solidFill>
+                  <a:srgbClr val="131313"/>
+                </a:solidFill>
+                <a:latin typeface="Roboto"/>
+                <a:ea typeface="Roboto"/>
+              </a:rPr>
+              <a:t> - Code Flow</a:t>
+            </a:r>
+            <a:endParaRPr sz="1600" b="0" i="0">
+              <a:solidFill>
+                <a:srgbClr val="131313"/>
+              </a:solidFill>
+              <a:latin typeface="Roboto"/>
+              <a:ea typeface="Roboto"/>
+            </a:endParaRPr>
+          </a:p>
+          <a:p>
+            <a:pPr marL="0" indent="0">
+              <a:spcBef>
+                <a:spcPct val="0"/>
+              </a:spcBef>
+              <a:spcAft>
+                <a:spcPct val="0"/>
+              </a:spcAft>
+            </a:pPr>
+            <a:r>
+              <a:rPr sz="1600" b="0" i="0">
+                <a:solidFill>
+                  <a:srgbClr val="131313"/>
+                </a:solidFill>
+                <a:latin typeface="Roboto"/>
+                <a:ea typeface="Roboto"/>
+              </a:rPr>
+              <a:t> </a:t>
+            </a:r>
+            <a:r>
+              <a:rPr sz="1600" b="0" i="0">
+                <a:solidFill>
+                  <a:srgbClr val="065FD4"/>
+                </a:solidFill>
+                <a:latin typeface="Roboto"/>
+                <a:ea typeface="Roboto"/>
+                <a:hlinkClick r:id="rId31"/>
+              </a:rPr>
+              <a:t>05:45</a:t>
+            </a:r>
+            <a:r>
+              <a:rPr sz="1600" b="0" i="0">
+                <a:solidFill>
+                  <a:srgbClr val="131313"/>
+                </a:solidFill>
+                <a:latin typeface="Roboto"/>
+                <a:ea typeface="Roboto"/>
+              </a:rPr>
+              <a:t> - Code Demo</a:t>
+            </a:r>
+            <a:endParaRPr sz="1600" b="0" i="0">
+              <a:solidFill>
+                <a:srgbClr val="131313"/>
+              </a:solidFill>
+              <a:latin typeface="Roboto"/>
+              <a:ea typeface="Roboto"/>
+            </a:endParaRPr>
+          </a:p>
+          <a:p>
+            <a:pPr marL="0" indent="0">
+              <a:spcBef>
+                <a:spcPct val="0"/>
+              </a:spcBef>
+              <a:spcAft>
+                <a:spcPct val="0"/>
+              </a:spcAft>
+            </a:pPr>
+            <a:r>
+              <a:rPr sz="1600" b="0" i="0">
+                <a:solidFill>
+                  <a:srgbClr val="131313"/>
+                </a:solidFill>
+                <a:latin typeface="Roboto"/>
+                <a:ea typeface="Roboto"/>
+              </a:rPr>
+              <a:t> </a:t>
+            </a:r>
+            <a:r>
+              <a:rPr sz="1600" b="0" i="0">
+                <a:solidFill>
+                  <a:srgbClr val="065FD4"/>
+                </a:solidFill>
+                <a:latin typeface="Roboto"/>
+                <a:ea typeface="Roboto"/>
+                <a:hlinkClick r:id="rId32"/>
+              </a:rPr>
+              <a:t>28:04</a:t>
+            </a:r>
+            <a:r>
+              <a:rPr sz="1600" b="0" i="0">
+                <a:solidFill>
+                  <a:srgbClr val="131313"/>
+                </a:solidFill>
+                <a:latin typeface="Roboto"/>
+                <a:ea typeface="Roboto"/>
+              </a:rPr>
+              <a:t> - Improvements </a:t>
+            </a:r>
+            <a:endParaRPr sz="1600" b="0" i="0">
+              <a:solidFill>
+                <a:srgbClr val="131313"/>
+              </a:solidFill>
+              <a:latin typeface="Roboto"/>
+              <a:ea typeface="Roboto"/>
+            </a:endParaRPr>
+          </a:p>
+          <a:p>
+            <a:pPr marL="0" indent="0">
+              <a:spcBef>
+                <a:spcPct val="0"/>
+              </a:spcBef>
+              <a:spcAft>
+                <a:spcPct val="0"/>
+              </a:spcAft>
+            </a:pPr>
+            <a:r>
+              <a:rPr sz="1600" b="0" i="0">
+                <a:solidFill>
+                  <a:srgbClr val="065FD4"/>
+                </a:solidFill>
+                <a:latin typeface="Roboto"/>
+                <a:ea typeface="Roboto"/>
+                <a:hlinkClick r:id="rId33"/>
+              </a:rPr>
+              <a:t>30:03</a:t>
+            </a:r>
+            <a:r>
+              <a:rPr sz="1600" b="0" i="0">
+                <a:solidFill>
+                  <a:srgbClr val="131313"/>
+                </a:solidFill>
+                <a:latin typeface="Roboto"/>
+                <a:ea typeface="Roboto"/>
+              </a:rPr>
+              <a:t> - Outro</a:t>
+            </a:r>
+            <a:endParaRPr sz="1600" b="0" i="0">
+              <a:solidFill>
+                <a:srgbClr val="131313"/>
+              </a:solidFill>
+              <a:latin typeface="Roboto"/>
+              <a:ea typeface="Roboto"/>
+            </a:endParaRPr>
+          </a:p>
+          <a:p>
+            <a:pPr marL="0" indent="0">
+              <a:spcBef>
+                <a:spcPct val="0"/>
+              </a:spcBef>
+              <a:spcAft>
+                <a:spcPct val="0"/>
+              </a:spcAft>
+            </a:pPr>
+            <a:r>
+              <a:rPr lang="en-US" altLang="en-US" sz="1600" b="0" i="0">
+                <a:solidFill>
+                  <a:srgbClr val="131313"/>
+                </a:solidFill>
+                <a:latin typeface="Roboto"/>
+                <a:ea typeface="Roboto"/>
+              </a:rPr>
+              <a:t>1. We will build a simple neural network</a:t>
+            </a:r>
+            <a:endParaRPr lang="en-US" altLang="en-US" sz="1600" b="0" i="0">
+              <a:solidFill>
+                <a:srgbClr val="131313"/>
+              </a:solidFill>
+              <a:latin typeface="Roboto"/>
+              <a:ea typeface="Roboto"/>
+            </a:endParaRPr>
+          </a:p>
+          <a:p>
+            <a:pPr marL="0" indent="0">
+              <a:spcBef>
+                <a:spcPct val="0"/>
+              </a:spcBef>
+              <a:spcAft>
+                <a:spcPct val="0"/>
+              </a:spcAft>
+            </a:pPr>
+            <a:r>
+              <a:rPr lang="en-US" altLang="en-US" sz="1600" b="0" i="0">
+                <a:solidFill>
+                  <a:srgbClr val="131313"/>
+                </a:solidFill>
+                <a:latin typeface="Roboto"/>
+                <a:ea typeface="Roboto"/>
+              </a:rPr>
+              <a:t>2. Train it on a real world dataset</a:t>
+            </a:r>
+            <a:endParaRPr lang="en-US" altLang="en-US" sz="1600" b="0" i="0">
+              <a:solidFill>
+                <a:srgbClr val="131313"/>
+              </a:solidFill>
+              <a:latin typeface="Roboto"/>
+              <a:ea typeface="Roboto"/>
+            </a:endParaRPr>
+          </a:p>
+          <a:p>
+            <a:pPr marL="0" indent="0">
+              <a:spcBef>
+                <a:spcPct val="0"/>
+              </a:spcBef>
+              <a:spcAft>
+                <a:spcPct val="0"/>
+              </a:spcAft>
+            </a:pPr>
+            <a:r>
+              <a:rPr lang="en-US" altLang="en-US" sz="1600" b="0" i="0">
+                <a:solidFill>
+                  <a:srgbClr val="131313"/>
+                </a:solidFill>
+                <a:latin typeface="Roboto"/>
+                <a:ea typeface="Roboto"/>
+              </a:rPr>
+              <a:t>3. Will mimic the PyTorch workflow</a:t>
+            </a:r>
+            <a:endParaRPr lang="en-US" altLang="en-US" sz="1600" b="0" i="0">
+              <a:solidFill>
+                <a:srgbClr val="131313"/>
+              </a:solidFill>
+              <a:latin typeface="Roboto"/>
+              <a:ea typeface="Roboto"/>
+            </a:endParaRPr>
+          </a:p>
+          <a:p>
+            <a:pPr marL="0" indent="0">
+              <a:spcBef>
+                <a:spcPct val="0"/>
+              </a:spcBef>
+              <a:spcAft>
+                <a:spcPct val="0"/>
+              </a:spcAft>
+            </a:pPr>
+            <a:r>
+              <a:rPr lang="en-US" altLang="en-US" sz="1600" b="0" i="0">
+                <a:solidFill>
+                  <a:srgbClr val="131313"/>
+                </a:solidFill>
+                <a:latin typeface="Roboto"/>
+                <a:ea typeface="Roboto"/>
+              </a:rPr>
+              <a:t>4. Will have a lot of manual elements</a:t>
+            </a:r>
+            <a:endParaRPr lang="en-US" altLang="en-US" sz="1600" b="0" i="0">
+              <a:solidFill>
+                <a:srgbClr val="131313"/>
+              </a:solidFill>
+              <a:latin typeface="Roboto"/>
+              <a:ea typeface="Roboto"/>
+            </a:endParaRPr>
+          </a:p>
+          <a:p>
+            <a:pPr marL="0" indent="0">
+              <a:spcBef>
+                <a:spcPct val="0"/>
+              </a:spcBef>
+              <a:spcAft>
+                <a:spcPct val="0"/>
+              </a:spcAft>
+            </a:pPr>
+            <a:r>
+              <a:rPr lang="en-US" altLang="en-US" sz="1600" b="0" i="0">
+                <a:solidFill>
+                  <a:srgbClr val="131313"/>
+                </a:solidFill>
+                <a:latin typeface="Roboto"/>
+                <a:ea typeface="Roboto"/>
+              </a:rPr>
+              <a:t>5. End result is not important</a:t>
+            </a:r>
+            <a:endParaRPr lang="en-US" altLang="en-US" sz="1600" b="0" i="0">
+              <a:solidFill>
+                <a:srgbClr val="131313"/>
+              </a:solidFill>
+              <a:latin typeface="Roboto"/>
+              <a:ea typeface="Roboto"/>
+            </a:endParaRPr>
+          </a:p>
+        </p:txBody>
+      </p:sp>
     </p:spTree>
   </p:cSld>
   <p:clrMapOvr>
@@ -3669,1341 +5064,6 @@
 </file>
 
 <file path=ppt/slides/slide3.xml><?xml version="1.0" encoding="utf-8"?>
-<p:sld xmlns:a="http://schemas.openxmlformats.org/drawingml/2006/main" xmlns:r="http://schemas.openxmlformats.org/officeDocument/2006/relationships" xmlns:p="http://schemas.openxmlformats.org/presentationml/2006/main">
-  <p:cSld>
-    <p:spTree>
-      <p:nvGrpSpPr>
-        <p:cNvPr id="1" name=""/>
-        <p:cNvGrpSpPr/>
-        <p:nvPr/>
-      </p:nvGrpSpPr>
-      <p:grpSpPr/>
-      <p:sp>
-        <p:nvSpPr>
-          <p:cNvPr id="3" name="Text Box 2"/>
-          <p:cNvSpPr txBox="1"/>
-          <p:nvPr/>
-        </p:nvSpPr>
-        <p:spPr>
-          <a:xfrm>
-            <a:off x="0" y="0"/>
-            <a:ext cx="2840990" cy="2122805"/>
-          </a:xfrm>
-          <a:prstGeom prst="rect">
-            <a:avLst/>
-          </a:prstGeom>
-          <a:noFill/>
-        </p:spPr>
-        <p:txBody>
-          <a:bodyPr wrap="square" rtlCol="0">
-            <a:spAutoFit/>
-          </a:bodyPr>
-          <a:p>
-            <a:r>
-              <a:rPr lang="en-US" sz="4400" b="1">
-                <a:solidFill>
-                  <a:srgbClr val="FF0000"/>
-                </a:solidFill>
-                <a:effectLst>
-                  <a:outerShdw blurRad="38100" dist="38100" dir="2700000" algn="tl">
-                    <a:srgbClr val="000000">
-                      <a:alpha val="43137"/>
-                    </a:srgbClr>
-                  </a:outerShdw>
-                </a:effectLst>
-              </a:rPr>
-              <a:t>Algorithms and models </a:t>
-            </a:r>
-            <a:endParaRPr lang="en-US" sz="4400" b="1">
-              <a:solidFill>
-                <a:srgbClr val="FF0000"/>
-              </a:solidFill>
-              <a:effectLst>
-                <a:outerShdw blurRad="38100" dist="38100" dir="2700000" algn="tl">
-                  <a:srgbClr val="000000">
-                    <a:alpha val="43137"/>
-                  </a:srgbClr>
-                </a:outerShdw>
-              </a:effectLst>
-            </a:endParaRPr>
-          </a:p>
-        </p:txBody>
-      </p:sp>
-      <p:pic>
-        <p:nvPicPr>
-          <p:cNvPr id="4" name="Picture 3"/>
-          <p:cNvPicPr/>
-          <p:nvPr/>
-        </p:nvPicPr>
-        <p:blipFill>
-          <a:blip r:embed="rId1"/>
-          <a:srcRect t="7325"/>
-          <a:stretch>
-            <a:fillRect/>
-          </a:stretch>
-        </p:blipFill>
-        <p:spPr>
-          <a:xfrm>
-            <a:off x="3968115" y="635"/>
-            <a:ext cx="8507095" cy="6858000"/>
-          </a:xfrm>
-          <a:prstGeom prst="rect">
-            <a:avLst/>
-          </a:prstGeom>
-        </p:spPr>
-      </p:pic>
-      <p:pic>
-        <p:nvPicPr>
-          <p:cNvPr id="2" name="Picture 1"/>
-          <p:cNvPicPr/>
-          <p:nvPr/>
-        </p:nvPicPr>
-        <p:blipFill>
-          <a:blip r:embed="rId2"/>
-          <a:stretch>
-            <a:fillRect/>
-          </a:stretch>
-        </p:blipFill>
-        <p:spPr>
-          <a:xfrm>
-            <a:off x="-247650" y="2246630"/>
-            <a:ext cx="5125085" cy="4774565"/>
-          </a:xfrm>
-          <a:prstGeom prst="rect">
-            <a:avLst/>
-          </a:prstGeom>
-        </p:spPr>
-      </p:pic>
-    </p:spTree>
-  </p:cSld>
-  <p:clrMapOvr>
-    <a:masterClrMapping/>
-  </p:clrMapOvr>
-</p:sld>
-</file>
-
-<file path=ppt/slides/slide4.xml><?xml version="1.0" encoding="utf-8"?>
-<p:sld xmlns:a="http://schemas.openxmlformats.org/drawingml/2006/main" xmlns:r="http://schemas.openxmlformats.org/officeDocument/2006/relationships" xmlns:p="http://schemas.openxmlformats.org/presentationml/2006/main">
-  <p:cSld>
-    <p:spTree>
-      <p:nvGrpSpPr>
-        <p:cNvPr id="1" name=""/>
-        <p:cNvGrpSpPr/>
-        <p:nvPr/>
-      </p:nvGrpSpPr>
-      <p:grpSpPr/>
-      <p:sp>
-        <p:nvSpPr>
-          <p:cNvPr id="2" name="Text Box 1"/>
-          <p:cNvSpPr txBox="1"/>
-          <p:nvPr/>
-        </p:nvSpPr>
-        <p:spPr>
-          <a:xfrm>
-            <a:off x="196850" y="270510"/>
-            <a:ext cx="8805545" cy="3397250"/>
-          </a:xfrm>
-          <a:prstGeom prst="rect">
-            <a:avLst/>
-          </a:prstGeom>
-        </p:spPr>
-        <p:txBody>
-          <a:bodyPr wrap="square">
-            <a:noAutofit/>
-          </a:bodyPr>
-          <a:p>
-            <a:r>
-              <a:rPr sz="2400" b="1">
-                <a:solidFill>
-                  <a:srgbClr val="FF0000"/>
-                </a:solidFill>
-              </a:rPr>
-              <a:t>Introduction to TensorFlow and Keras</a:t>
-            </a:r>
-            <a:endParaRPr sz="2400" b="1">
-              <a:solidFill>
-                <a:srgbClr val="FF0000"/>
-              </a:solidFill>
-            </a:endParaRPr>
-          </a:p>
-          <a:p>
-            <a:r>
-              <a:rPr sz="1600"/>
-              <a:t>TensorFlow and Keras are two of the most widely used deep learning frameworks.</a:t>
-            </a:r>
-            <a:endParaRPr sz="1600"/>
-          </a:p>
-          <a:p>
-            <a:pPr>
-              <a:buFont typeface="Arial" panose="020B0604020202020204"/>
-              <a:buChar char="•"/>
-            </a:pPr>
-            <a:r>
-              <a:rPr sz="1600"/>
-              <a:t>TensorFlow:</a:t>
-            </a:r>
-            <a:endParaRPr sz="1600"/>
-          </a:p>
-          <a:p>
-            <a:pPr lvl="1">
-              <a:buFont typeface="Arial" panose="020B0604020202020204"/>
-              <a:buChar char="◦"/>
-            </a:pPr>
-            <a:r>
-              <a:rPr sz="1600"/>
-              <a:t>Developed by Google Brain.</a:t>
-            </a:r>
-            <a:endParaRPr sz="1600"/>
-          </a:p>
-          <a:p>
-            <a:pPr lvl="1">
-              <a:buFont typeface="Arial" panose="020B0604020202020204"/>
-              <a:buChar char="◦"/>
-            </a:pPr>
-            <a:r>
-              <a:rPr sz="1600"/>
-              <a:t>Provides low-level and high-level APIs for building deep learning models.</a:t>
-            </a:r>
-            <a:endParaRPr sz="1600"/>
-          </a:p>
-          <a:p>
-            <a:pPr lvl="1">
-              <a:buFont typeface="Arial" panose="020B0604020202020204"/>
-              <a:buChar char="◦"/>
-            </a:pPr>
-            <a:r>
-              <a:rPr sz="1600"/>
-              <a:t>Supports large-scale machine learning and deployment.</a:t>
-            </a:r>
-            <a:endParaRPr sz="1600"/>
-          </a:p>
-          <a:p>
-            <a:pPr>
-              <a:buFont typeface="Arial" panose="020B0604020202020204"/>
-              <a:buChar char="•"/>
-            </a:pPr>
-            <a:r>
-              <a:rPr sz="1600"/>
-              <a:t>Keras:</a:t>
-            </a:r>
-            <a:endParaRPr sz="1600"/>
-          </a:p>
-          <a:p>
-            <a:pPr lvl="1">
-              <a:buFont typeface="Arial" panose="020B0604020202020204"/>
-              <a:buChar char="◦"/>
-            </a:pPr>
-            <a:r>
-              <a:rPr sz="1600"/>
-              <a:t>High-level API built on TensorFlow.</a:t>
-            </a:r>
-            <a:endParaRPr sz="1600"/>
-          </a:p>
-          <a:p>
-            <a:pPr lvl="1">
-              <a:buFont typeface="Arial" panose="020B0604020202020204"/>
-              <a:buChar char="◦"/>
-            </a:pPr>
-            <a:r>
-              <a:rPr sz="1600"/>
-              <a:t>Simplifies model building and experimentation.</a:t>
-            </a:r>
-            <a:endParaRPr sz="1600"/>
-          </a:p>
-          <a:p>
-            <a:pPr lvl="1">
-              <a:buFont typeface="Arial" panose="020B0604020202020204"/>
-              <a:buChar char="◦"/>
-            </a:pPr>
-            <a:r>
-              <a:rPr sz="1600"/>
-              <a:t>Allows quick prototyping with minimal code.</a:t>
-            </a:r>
-            <a:endParaRPr sz="1600"/>
-          </a:p>
-        </p:txBody>
-      </p:sp>
-    </p:spTree>
-  </p:cSld>
-  <p:clrMapOvr>
-    <a:masterClrMapping/>
-  </p:clrMapOvr>
-</p:sld>
-</file>
-
-<file path=ppt/slides/slide5.xml><?xml version="1.0" encoding="utf-8"?>
-<p:sld xmlns:a="http://schemas.openxmlformats.org/drawingml/2006/main" xmlns:r="http://schemas.openxmlformats.org/officeDocument/2006/relationships" xmlns:p="http://schemas.openxmlformats.org/presentationml/2006/main">
-  <p:cSld>
-    <p:spTree>
-      <p:nvGrpSpPr>
-        <p:cNvPr id="1" name=""/>
-        <p:cNvGrpSpPr/>
-        <p:nvPr/>
-      </p:nvGrpSpPr>
-      <p:grpSpPr/>
-      <p:sp>
-        <p:nvSpPr>
-          <p:cNvPr id="2" name="Text Box 1"/>
-          <p:cNvSpPr txBox="1"/>
-          <p:nvPr/>
-        </p:nvSpPr>
-        <p:spPr>
-          <a:xfrm>
-            <a:off x="375920" y="165735"/>
-            <a:ext cx="4064000" cy="368300"/>
-          </a:xfrm>
-          <a:prstGeom prst="rect">
-            <a:avLst/>
-          </a:prstGeom>
-          <a:noFill/>
-        </p:spPr>
-        <p:txBody>
-          <a:bodyPr wrap="square" rtlCol="0">
-            <a:spAutoFit/>
-          </a:bodyPr>
-          <a:p>
-            <a:r>
-              <a:rPr lang="en-IN" altLang="en-US"/>
-              <a:t>TensorFlow  code</a:t>
-            </a:r>
-            <a:endParaRPr lang="en-IN" altLang="en-US"/>
-          </a:p>
-        </p:txBody>
-      </p:sp>
-      <p:sp>
-        <p:nvSpPr>
-          <p:cNvPr id="3" name="Text Box 2"/>
-          <p:cNvSpPr txBox="1"/>
-          <p:nvPr/>
-        </p:nvSpPr>
-        <p:spPr>
-          <a:xfrm>
-            <a:off x="492760" y="604837"/>
-            <a:ext cx="5080000" cy="583565"/>
-          </a:xfrm>
-          <a:prstGeom prst="rect">
-            <a:avLst/>
-          </a:prstGeom>
-        </p:spPr>
-        <p:txBody>
-          <a:bodyPr>
-            <a:spAutoFit/>
-          </a:bodyPr>
-          <a:p>
-            <a:pPr marL="0" indent="0" algn="l" latinLnBrk="0">
-              <a:spcBef>
-                <a:spcPct val="0"/>
-              </a:spcBef>
-              <a:spcAft>
-                <a:spcPct val="0"/>
-              </a:spcAft>
-            </a:pPr>
-            <a:r>
-              <a:rPr sz="1600" b="0" i="0"/>
-              <a:t>importtensorflowastfprint("TensorFlow version:",tf.__version__)</a:t>
-            </a:r>
-            <a:endParaRPr sz="1600" b="0" i="0"/>
-          </a:p>
-        </p:txBody>
-      </p:sp>
-      <p:sp>
-        <p:nvSpPr>
-          <p:cNvPr id="4" name="Text Box 3"/>
-          <p:cNvSpPr txBox="1"/>
-          <p:nvPr/>
-        </p:nvSpPr>
-        <p:spPr>
-          <a:xfrm>
-            <a:off x="4251325" y="258445"/>
-            <a:ext cx="7588250" cy="1969135"/>
-          </a:xfrm>
-          <a:prstGeom prst="rect">
-            <a:avLst/>
-          </a:prstGeom>
-        </p:spPr>
-        <p:txBody>
-          <a:bodyPr wrap="square">
-            <a:spAutoFit/>
-          </a:bodyPr>
-          <a:p>
-            <a:pPr marL="0" indent="0">
-              <a:spcAft>
-                <a:spcPct val="60000"/>
-              </a:spcAft>
-            </a:pPr>
-            <a:r>
-              <a:rPr sz="2300" b="0" i="0">
-                <a:solidFill>
-                  <a:srgbClr val="383838"/>
-                </a:solidFill>
-                <a:latin typeface="Inter"/>
-                <a:ea typeface="Inter"/>
-              </a:rPr>
-              <a:t>What is TensorFlow?</a:t>
-            </a:r>
-            <a:endParaRPr sz="2300" b="0" i="0">
-              <a:solidFill>
-                <a:srgbClr val="383838"/>
-              </a:solidFill>
-              <a:latin typeface="Inter"/>
-              <a:ea typeface="Inter"/>
-            </a:endParaRPr>
-          </a:p>
-          <a:p>
-            <a:pPr marL="0" indent="0">
-              <a:lnSpc>
-                <a:spcPts val="1800"/>
-              </a:lnSpc>
-            </a:pPr>
-            <a:r>
-              <a:rPr sz="1600" b="0" i="0">
-                <a:solidFill>
-                  <a:srgbClr val="383838"/>
-                </a:solidFill>
-                <a:latin typeface="Inter"/>
-                <a:ea typeface="Inter"/>
-              </a:rPr>
-              <a:t>TensorFlow is an end-to-end open-source machine learning </a:t>
-            </a:r>
-            <a:r>
-              <a:rPr sz="1600" b="0" i="0" u="sng">
-                <a:solidFill>
-                  <a:srgbClr val="383838"/>
-                </a:solidFill>
-                <a:latin typeface="Inter"/>
-                <a:ea typeface="Inter"/>
-                <a:hlinkClick r:id="rId1"/>
-              </a:rPr>
-              <a:t>platform</a:t>
-            </a:r>
-            <a:r>
-              <a:rPr sz="1600" b="0" i="0">
-                <a:solidFill>
-                  <a:srgbClr val="383838"/>
-                </a:solidFill>
-                <a:latin typeface="Inter"/>
-                <a:ea typeface="Inter"/>
-              </a:rPr>
-              <a:t> with a focus on deep neural networks. Deep </a:t>
-            </a:r>
-            <a:r>
-              <a:rPr sz="1600" b="0" i="0" u="sng">
-                <a:solidFill>
-                  <a:srgbClr val="383838"/>
-                </a:solidFill>
-                <a:latin typeface="Inter"/>
-                <a:ea typeface="Inter"/>
-                <a:hlinkClick r:id="rId2"/>
-              </a:rPr>
-              <a:t>learning</a:t>
-            </a:r>
-            <a:r>
-              <a:rPr sz="1600" b="0" i="0" u="sng">
-                <a:solidFill>
-                  <a:srgbClr val="383838"/>
-                </a:solidFill>
-                <a:latin typeface="Inter"/>
-                <a:ea typeface="Inter"/>
-                <a:hlinkClick r:id="rId2"/>
-              </a:rPr>
-              <a:t> </a:t>
-            </a:r>
-            <a:r>
-              <a:rPr sz="1600" b="0" i="0">
-                <a:solidFill>
-                  <a:srgbClr val="383838"/>
-                </a:solidFill>
-                <a:latin typeface="Inter"/>
-                <a:ea typeface="Inter"/>
-              </a:rPr>
-              <a:t>is a subtype of machine learning that analyses massive amounts of unstructured data. Since it works with structured data, deep learning is different from normal machine learning.</a:t>
-            </a:r>
-            <a:endParaRPr sz="1600" b="0" i="0">
-              <a:solidFill>
-                <a:srgbClr val="383838"/>
-              </a:solidFill>
-              <a:latin typeface="Inter"/>
-              <a:ea typeface="Inter"/>
-            </a:endParaRPr>
-          </a:p>
-        </p:txBody>
-      </p:sp>
-      <p:sp>
-        <p:nvSpPr>
-          <p:cNvPr id="6" name="Text Box 5"/>
-          <p:cNvSpPr txBox="1"/>
-          <p:nvPr/>
-        </p:nvSpPr>
-        <p:spPr>
-          <a:xfrm>
-            <a:off x="375920" y="2832100"/>
-            <a:ext cx="6096000" cy="3692525"/>
-          </a:xfrm>
-          <a:prstGeom prst="rect">
-            <a:avLst/>
-          </a:prstGeom>
-          <a:noFill/>
-        </p:spPr>
-        <p:txBody>
-          <a:bodyPr wrap="square" rtlCol="0" anchor="t">
-            <a:spAutoFit/>
-          </a:bodyPr>
-          <a:p>
-            <a:r>
-              <a:rPr b="1">
-                <a:solidFill>
-                  <a:srgbClr val="383838"/>
-                </a:solidFill>
-                <a:latin typeface="Inter"/>
-                <a:ea typeface="Inter"/>
-                <a:sym typeface="+mn-ea"/>
-              </a:rPr>
-              <a:t>How to install TensorFlow ?</a:t>
-            </a:r>
-            <a:endParaRPr lang="en-US" altLang="en-US"/>
-          </a:p>
-          <a:p>
-            <a:r>
-              <a:rPr lang="en-US" altLang="en-US"/>
-              <a:t>pip install tensorflow</a:t>
-            </a:r>
-            <a:endParaRPr lang="en-US" altLang="en-US"/>
-          </a:p>
-          <a:p>
-            <a:endParaRPr lang="en-US" altLang="en-US"/>
-          </a:p>
-          <a:p>
-            <a:r>
-              <a:rPr lang="en-US" altLang="en-US" b="1"/>
-              <a:t>If you have a good graphics card in your computer</a:t>
-            </a:r>
-            <a:r>
-              <a:rPr lang="en-US" altLang="en-US"/>
-              <a:t>,</a:t>
-            </a:r>
-            <a:endParaRPr lang="en-US" altLang="en-US"/>
-          </a:p>
-          <a:p>
-            <a:r>
-              <a:rPr lang="en-US" altLang="en-US"/>
-              <a:t>pip install tensorflow-gpu</a:t>
-            </a:r>
-            <a:endParaRPr lang="en-US" altLang="en-US"/>
-          </a:p>
-          <a:p>
-            <a:endParaRPr lang="en-US" altLang="en-US"/>
-          </a:p>
-          <a:p>
-            <a:r>
-              <a:rPr lang="en-US" altLang="en-US" b="1"/>
-              <a:t>Check Installation</a:t>
-            </a:r>
-            <a:endParaRPr lang="en-US" altLang="en-US" b="1"/>
-          </a:p>
-          <a:p>
-            <a:r>
-              <a:rPr lang="en-US" altLang="en-US"/>
-              <a:t>import tensorflow as tf</a:t>
-            </a:r>
-            <a:endParaRPr lang="en-US" altLang="en-US"/>
-          </a:p>
-          <a:p>
-            <a:r>
-              <a:rPr lang="en-US" altLang="en-US"/>
-              <a:t>print(tf.__version__)</a:t>
-            </a:r>
-            <a:endParaRPr lang="en-US" altLang="en-US"/>
-          </a:p>
-          <a:p>
-            <a:endParaRPr lang="en-US" altLang="en-US"/>
-          </a:p>
-          <a:p>
-            <a:r>
-              <a:rPr lang="en-US" altLang="en-US" b="1"/>
-              <a:t>Some TensorFlow Fundamentals</a:t>
-            </a:r>
-            <a:endParaRPr lang="en-US" altLang="en-US" b="1"/>
-          </a:p>
-          <a:p>
-            <a:endParaRPr lang="en-US" altLang="en-US"/>
-          </a:p>
-          <a:p>
-            <a:endParaRPr lang="en-US"/>
-          </a:p>
-        </p:txBody>
-      </p:sp>
-    </p:spTree>
-  </p:cSld>
-  <p:clrMapOvr>
-    <a:masterClrMapping/>
-  </p:clrMapOvr>
-</p:sld>
-</file>
-
-<file path=ppt/slides/slide6.xml><?xml version="1.0" encoding="utf-8"?>
-<p:sld xmlns:a="http://schemas.openxmlformats.org/drawingml/2006/main" xmlns:r="http://schemas.openxmlformats.org/officeDocument/2006/relationships" xmlns:p="http://schemas.openxmlformats.org/presentationml/2006/main">
-  <p:cSld>
-    <p:spTree>
-      <p:nvGrpSpPr>
-        <p:cNvPr id="1" name=""/>
-        <p:cNvGrpSpPr/>
-        <p:nvPr/>
-      </p:nvGrpSpPr>
-      <p:grpSpPr/>
-      <p:sp>
-        <p:nvSpPr>
-          <p:cNvPr id="2" name="Text Box 1"/>
-          <p:cNvSpPr txBox="1"/>
-          <p:nvPr/>
-        </p:nvSpPr>
-        <p:spPr>
-          <a:xfrm>
-            <a:off x="353695" y="422275"/>
-            <a:ext cx="10663555" cy="1087120"/>
-          </a:xfrm>
-          <a:prstGeom prst="rect">
-            <a:avLst/>
-          </a:prstGeom>
-        </p:spPr>
-        <p:txBody>
-          <a:bodyPr wrap="square">
-            <a:spAutoFit/>
-          </a:bodyPr>
-          <a:p>
-            <a:pPr marL="0" indent="0">
-              <a:spcAft>
-                <a:spcPct val="60000"/>
-              </a:spcAft>
-            </a:pPr>
-            <a:r>
-              <a:rPr sz="1600" b="1" i="0">
-                <a:solidFill>
-                  <a:srgbClr val="383838"/>
-                </a:solidFill>
-                <a:latin typeface="Inter"/>
-                <a:ea typeface="Inter"/>
-              </a:rPr>
-              <a:t>Some TensorFlow Fundamentals</a:t>
-            </a:r>
-            <a:endParaRPr sz="1600" b="1" i="0">
-              <a:solidFill>
-                <a:srgbClr val="383838"/>
-              </a:solidFill>
-              <a:latin typeface="Inter"/>
-              <a:ea typeface="Inter"/>
-            </a:endParaRPr>
-          </a:p>
-          <a:p>
-            <a:pPr marL="0" indent="0">
-              <a:spcAft>
-                <a:spcPct val="60000"/>
-              </a:spcAft>
-            </a:pPr>
-            <a:r>
-              <a:rPr lang="en-US" altLang="en-US" sz="1600" b="1" i="0">
-                <a:solidFill>
-                  <a:srgbClr val="383838"/>
-                </a:solidFill>
-                <a:latin typeface="Inter"/>
-                <a:ea typeface="Inter"/>
-              </a:rPr>
-              <a:t> a </a:t>
-            </a:r>
-            <a:r>
-              <a:rPr lang="en-US" altLang="en-US" sz="1600" b="1" i="0">
-                <a:solidFill>
-                  <a:srgbClr val="FF0000"/>
-                </a:solidFill>
-                <a:latin typeface="Inter"/>
-                <a:ea typeface="Inter"/>
-              </a:rPr>
-              <a:t>tensor </a:t>
-            </a:r>
-            <a:r>
-              <a:rPr lang="en-US" altLang="en-US" sz="1600" b="1" i="0">
-                <a:solidFill>
-                  <a:srgbClr val="383838"/>
-                </a:solidFill>
-                <a:latin typeface="Inter"/>
-                <a:ea typeface="Inter"/>
-              </a:rPr>
-              <a:t>is a multi-dimensional array of data that can be used to represent data and perform mathematical operations. Tensors are a generalization of vectors and matrices, </a:t>
-            </a:r>
-            <a:endParaRPr lang="en-US" altLang="en-US" sz="1600" b="1" i="0">
-              <a:solidFill>
-                <a:srgbClr val="383838"/>
-              </a:solidFill>
-              <a:latin typeface="Inter"/>
-              <a:ea typeface="Inter"/>
-            </a:endParaRPr>
-          </a:p>
-        </p:txBody>
-      </p:sp>
-      <p:sp>
-        <p:nvSpPr>
-          <p:cNvPr id="3" name="Text Box 2"/>
-          <p:cNvSpPr txBox="1"/>
-          <p:nvPr/>
-        </p:nvSpPr>
-        <p:spPr>
-          <a:xfrm>
-            <a:off x="353695" y="1734185"/>
-            <a:ext cx="10062845" cy="3389630"/>
-          </a:xfrm>
-          <a:prstGeom prst="rect">
-            <a:avLst/>
-          </a:prstGeom>
-        </p:spPr>
-        <p:txBody>
-          <a:bodyPr wrap="square">
-            <a:spAutoFit/>
-          </a:bodyPr>
-          <a:p>
-            <a:pPr marL="0" indent="0">
-              <a:spcBef>
-                <a:spcPts val="1000"/>
-              </a:spcBef>
-              <a:spcAft>
-                <a:spcPts val="500"/>
-              </a:spcAft>
-            </a:pPr>
-            <a:r>
-              <a:rPr sz="1600" b="1" i="0">
-                <a:solidFill>
-                  <a:srgbClr val="001D35"/>
-                </a:solidFill>
-                <a:latin typeface="Google Sans"/>
-                <a:ea typeface="Google Sans"/>
-              </a:rPr>
-              <a:t>What are tensors used for?</a:t>
-            </a:r>
-            <a:endParaRPr sz="1600" b="1" i="0">
-              <a:solidFill>
-                <a:srgbClr val="001D35"/>
-              </a:solidFill>
-              <a:latin typeface="Google Sans"/>
-              <a:ea typeface="Google Sans"/>
-            </a:endParaRPr>
-          </a:p>
-          <a:p>
-            <a:pPr marL="0" indent="0">
-              <a:spcBef>
-                <a:spcPct val="0"/>
-              </a:spcBef>
-              <a:spcAft>
-                <a:spcPts val="400"/>
-              </a:spcAft>
-              <a:buFont typeface="Arial" panose="020B0604020202020204"/>
-              <a:buChar char="•"/>
-            </a:pPr>
-            <a:r>
-              <a:rPr sz="1600" b="0" i="0">
-                <a:solidFill>
-                  <a:srgbClr val="001D35"/>
-                </a:solidFill>
-                <a:latin typeface="Google Sans"/>
-                <a:ea typeface="Google Sans"/>
-              </a:rPr>
-              <a:t>Training neural networks: Tensors store the weights and parameters of neural networks, and are used in the algorithms that train them </a:t>
-            </a:r>
-            <a:endParaRPr sz="1600" b="0" i="0">
-              <a:solidFill>
-                <a:srgbClr val="001D35"/>
-              </a:solidFill>
-              <a:latin typeface="Google Sans"/>
-              <a:ea typeface="Google Sans"/>
-            </a:endParaRPr>
-          </a:p>
-          <a:p>
-            <a:pPr marL="0" indent="0">
-              <a:spcBef>
-                <a:spcPct val="0"/>
-              </a:spcBef>
-              <a:spcAft>
-                <a:spcPts val="400"/>
-              </a:spcAft>
-              <a:buFont typeface="Arial" panose="020B0604020202020204"/>
-              <a:buChar char="•"/>
-            </a:pPr>
-            <a:r>
-              <a:rPr sz="1600" b="0" i="0">
-                <a:solidFill>
-                  <a:srgbClr val="001D35"/>
-                </a:solidFill>
-                <a:latin typeface="Google Sans"/>
-                <a:ea typeface="Google Sans"/>
-              </a:rPr>
-              <a:t>Representing data: Tensors can represent data such as images, movies, sounds, and relationships between words </a:t>
-            </a:r>
-            <a:endParaRPr sz="1600" b="0" i="0">
-              <a:solidFill>
-                <a:srgbClr val="001D35"/>
-              </a:solidFill>
-              <a:latin typeface="Google Sans"/>
-              <a:ea typeface="Google Sans"/>
-            </a:endParaRPr>
-          </a:p>
-          <a:p>
-            <a:pPr marL="0" indent="0">
-              <a:spcBef>
-                <a:spcPct val="0"/>
-              </a:spcBef>
-              <a:spcAft>
-                <a:spcPts val="400"/>
-              </a:spcAft>
-              <a:buFont typeface="Arial" panose="020B0604020202020204"/>
-              <a:buChar char="•"/>
-            </a:pPr>
-            <a:r>
-              <a:rPr sz="1600" b="0" i="0">
-                <a:solidFill>
-                  <a:srgbClr val="001D35"/>
-                </a:solidFill>
-                <a:latin typeface="Google Sans"/>
-                <a:ea typeface="Google Sans"/>
-              </a:rPr>
-              <a:t>Clustering: Tensors can be used in clustering algorithms such as k-means clustering </a:t>
-            </a:r>
-            <a:endParaRPr sz="1600" b="0" i="0">
-              <a:solidFill>
-                <a:srgbClr val="001D35"/>
-              </a:solidFill>
-              <a:latin typeface="Google Sans"/>
-              <a:ea typeface="Google Sans"/>
-            </a:endParaRPr>
-          </a:p>
-          <a:p>
-            <a:pPr marL="0" indent="0">
-              <a:spcBef>
-                <a:spcPct val="0"/>
-              </a:spcBef>
-              <a:spcAft>
-                <a:spcPct val="0"/>
-              </a:spcAft>
-              <a:buFont typeface="Arial" panose="020B0604020202020204"/>
-              <a:buChar char="•"/>
-            </a:pPr>
-            <a:r>
-              <a:rPr sz="1600" b="0" i="0">
-                <a:solidFill>
-                  <a:srgbClr val="001D35"/>
-                </a:solidFill>
-                <a:latin typeface="Google Sans"/>
-                <a:ea typeface="Google Sans"/>
-              </a:rPr>
-              <a:t>Support vector machines: Tensors can represent data in support vector machines </a:t>
-            </a:r>
-            <a:endParaRPr sz="1600" b="0" i="0">
-              <a:solidFill>
-                <a:srgbClr val="001D35"/>
-              </a:solidFill>
-              <a:latin typeface="Google Sans"/>
-              <a:ea typeface="Google Sans"/>
-            </a:endParaRPr>
-          </a:p>
-          <a:p>
-            <a:pPr marL="0" indent="0">
-              <a:spcBef>
-                <a:spcPts val="1000"/>
-              </a:spcBef>
-              <a:spcAft>
-                <a:spcPts val="500"/>
-              </a:spcAft>
-            </a:pPr>
-            <a:r>
-              <a:rPr sz="1600" b="1" i="0">
-                <a:solidFill>
-                  <a:srgbClr val="001D35"/>
-                </a:solidFill>
-                <a:latin typeface="Google Sans"/>
-                <a:ea typeface="Google Sans"/>
-              </a:rPr>
-              <a:t>Why are tensors important?</a:t>
-            </a:r>
-            <a:endParaRPr sz="1600" b="1" i="0">
-              <a:solidFill>
-                <a:srgbClr val="001D35"/>
-              </a:solidFill>
-              <a:latin typeface="Google Sans"/>
-              <a:ea typeface="Google Sans"/>
-            </a:endParaRPr>
-          </a:p>
-          <a:p>
-            <a:pPr marL="0" indent="0">
-              <a:spcBef>
-                <a:spcPct val="0"/>
-              </a:spcBef>
-              <a:spcAft>
-                <a:spcPts val="400"/>
-              </a:spcAft>
-              <a:buFont typeface="Arial" panose="020B0604020202020204"/>
-              <a:buChar char="•"/>
-            </a:pPr>
-            <a:r>
-              <a:rPr sz="1600" b="0" i="0">
-                <a:solidFill>
-                  <a:srgbClr val="001D35"/>
-                </a:solidFill>
-                <a:latin typeface="Google Sans"/>
-                <a:ea typeface="Google Sans"/>
-              </a:rPr>
-              <a:t>Tensors are efficient with memory, making them ideal for parallel computing environments </a:t>
-            </a:r>
-            <a:endParaRPr sz="1600" b="0" i="0">
-              <a:solidFill>
-                <a:srgbClr val="001D35"/>
-              </a:solidFill>
-              <a:latin typeface="Google Sans"/>
-              <a:ea typeface="Google Sans"/>
-            </a:endParaRPr>
-          </a:p>
-          <a:p>
-            <a:pPr marL="0" indent="0">
-              <a:spcBef>
-                <a:spcPct val="0"/>
-              </a:spcBef>
-              <a:spcAft>
-                <a:spcPct val="0"/>
-              </a:spcAft>
-              <a:buFont typeface="Arial" panose="020B0604020202020204"/>
-              <a:buChar char="•"/>
-            </a:pPr>
-            <a:r>
-              <a:rPr sz="1600" b="0" i="0">
-                <a:solidFill>
-                  <a:srgbClr val="001D35"/>
-                </a:solidFill>
-                <a:latin typeface="Google Sans"/>
-                <a:ea typeface="Google Sans"/>
-              </a:rPr>
-              <a:t>Tensors are versatile and efficient at handling data </a:t>
-            </a:r>
-            <a:endParaRPr sz="1600" b="0" i="0">
-              <a:solidFill>
-                <a:srgbClr val="001D35"/>
-              </a:solidFill>
-              <a:latin typeface="Google Sans"/>
-              <a:ea typeface="Google Sans"/>
-            </a:endParaRPr>
-          </a:p>
-          <a:p>
-            <a:pPr marL="0" indent="0">
-              <a:spcBef>
-                <a:spcPts val="1000"/>
-              </a:spcBef>
-              <a:spcAft>
-                <a:spcPts val="500"/>
-              </a:spcAft>
-            </a:pPr>
-            <a:endParaRPr sz="1600" b="1" i="0">
-              <a:solidFill>
-                <a:srgbClr val="001D35"/>
-              </a:solidFill>
-              <a:latin typeface="Google Sans"/>
-              <a:ea typeface="Google Sans"/>
-            </a:endParaRPr>
-          </a:p>
-        </p:txBody>
-      </p:sp>
-      <p:sp>
-        <p:nvSpPr>
-          <p:cNvPr id="4" name="Text Box 3"/>
-          <p:cNvSpPr txBox="1"/>
-          <p:nvPr/>
-        </p:nvSpPr>
-        <p:spPr>
-          <a:xfrm>
-            <a:off x="353695" y="5289550"/>
-            <a:ext cx="11122025" cy="337185"/>
-          </a:xfrm>
-          <a:prstGeom prst="rect">
-            <a:avLst/>
-          </a:prstGeom>
-        </p:spPr>
-        <p:txBody>
-          <a:bodyPr wrap="square">
-            <a:spAutoFit/>
-          </a:bodyPr>
-          <a:p>
-            <a:pPr marL="0" indent="0"/>
-            <a:endParaRPr sz="1600" b="0" i="0">
-              <a:solidFill>
-                <a:srgbClr val="383838"/>
-              </a:solidFill>
-              <a:latin typeface="Inter"/>
-              <a:ea typeface="Inter"/>
-            </a:endParaRPr>
-          </a:p>
-        </p:txBody>
-      </p:sp>
-    </p:spTree>
-  </p:cSld>
-  <p:clrMapOvr>
-    <a:masterClrMapping/>
-  </p:clrMapOvr>
-</p:sld>
-</file>
-
-<file path=ppt/slides/slide7.xml><?xml version="1.0" encoding="utf-8"?>
-<p:sld xmlns:a="http://schemas.openxmlformats.org/drawingml/2006/main" xmlns:r="http://schemas.openxmlformats.org/officeDocument/2006/relationships" xmlns:p="http://schemas.openxmlformats.org/presentationml/2006/main">
-  <p:cSld>
-    <p:spTree>
-      <p:nvGrpSpPr>
-        <p:cNvPr id="1" name=""/>
-        <p:cNvGrpSpPr/>
-        <p:nvPr/>
-      </p:nvGrpSpPr>
-      <p:grpSpPr/>
-      <p:pic>
-        <p:nvPicPr>
-          <p:cNvPr id="2" name="Picture 1"/>
-          <p:cNvPicPr/>
-          <p:nvPr/>
-        </p:nvPicPr>
-        <p:blipFill>
-          <a:blip r:embed="rId1"/>
-          <a:stretch>
-            <a:fillRect/>
-          </a:stretch>
-        </p:blipFill>
-        <p:spPr>
-          <a:xfrm>
-            <a:off x="1714501" y="1871663"/>
-            <a:ext cx="8381999" cy="2733675"/>
-          </a:xfrm>
-          <a:prstGeom prst="rect">
-            <a:avLst/>
-          </a:prstGeom>
-        </p:spPr>
-      </p:pic>
-      <p:sp>
-        <p:nvSpPr>
-          <p:cNvPr id="3" name="Text Box 2"/>
-          <p:cNvSpPr txBox="1"/>
-          <p:nvPr/>
-        </p:nvSpPr>
-        <p:spPr>
-          <a:xfrm>
-            <a:off x="621665" y="303530"/>
-            <a:ext cx="9474835" cy="1076325"/>
-          </a:xfrm>
-          <a:prstGeom prst="rect">
-            <a:avLst/>
-          </a:prstGeom>
-          <a:noFill/>
-        </p:spPr>
-        <p:txBody>
-          <a:bodyPr wrap="square" rtlCol="0" anchor="t">
-            <a:spAutoFit/>
-          </a:bodyPr>
-          <a:p>
-            <a:pPr marL="0" indent="0"/>
-            <a:r>
-              <a:rPr sz="1600" b="1">
-                <a:solidFill>
-                  <a:srgbClr val="001D35"/>
-                </a:solidFill>
-                <a:latin typeface="Google Sans"/>
-                <a:ea typeface="Google Sans"/>
-                <a:sym typeface="+mn-ea"/>
-              </a:rPr>
-              <a:t>What are tensors built from? </a:t>
-            </a:r>
-            <a:endParaRPr sz="1600" b="1" i="0">
-              <a:solidFill>
-                <a:srgbClr val="001D35"/>
-              </a:solidFill>
-              <a:latin typeface="Google Sans"/>
-              <a:ea typeface="Google Sans"/>
-            </a:endParaRPr>
-          </a:p>
-          <a:p>
-            <a:pPr marL="0" indent="0"/>
-            <a:r>
-              <a:rPr sz="1600">
-                <a:solidFill>
-                  <a:srgbClr val="383838"/>
-                </a:solidFill>
-                <a:latin typeface="Inter"/>
-                <a:ea typeface="Inter"/>
-                <a:sym typeface="+mn-ea"/>
-              </a:rPr>
-              <a:t>The values in a tensor contain identical data types with a specified shape. Dimensionality is represented by the shape. A vector, for example, is a one-dimensional tensor, a matrix is a two-dimensional tensor, and a scalar is a zero-dimensional tensor.</a:t>
-            </a:r>
-            <a:endParaRPr lang="en-US" sz="1600">
-              <a:solidFill>
-                <a:srgbClr val="383838"/>
-              </a:solidFill>
-              <a:latin typeface="Inter"/>
-              <a:ea typeface="Inter"/>
-              <a:sym typeface="+mn-ea"/>
-            </a:endParaRPr>
-          </a:p>
-        </p:txBody>
-      </p:sp>
-      <p:sp>
-        <p:nvSpPr>
-          <p:cNvPr id="4" name="Text Box 3"/>
-          <p:cNvSpPr txBox="1"/>
-          <p:nvPr/>
-        </p:nvSpPr>
-        <p:spPr>
-          <a:xfrm>
-            <a:off x="752475" y="5097780"/>
-            <a:ext cx="5090795" cy="1525270"/>
-          </a:xfrm>
-          <a:prstGeom prst="rect">
-            <a:avLst/>
-          </a:prstGeom>
-        </p:spPr>
-        <p:txBody>
-          <a:bodyPr>
-            <a:noAutofit/>
-          </a:bodyPr>
-          <a:p>
-            <a:pPr marL="0" indent="0"/>
-            <a:r>
-              <a:rPr sz="1600">
-                <a:latin typeface="var(--devsite-code-font-family)"/>
-                <a:ea typeface="var(--devsite-code-font-family)"/>
-              </a:rPr>
-              <a:t>import</a:t>
-            </a:r>
-            <a:r>
-              <a:rPr lang="en-IN" sz="1600">
-                <a:latin typeface="var(--devsite-code-font-family)"/>
-                <a:ea typeface="var(--devsite-code-font-family)"/>
-              </a:rPr>
-              <a:t> </a:t>
-            </a:r>
-            <a:r>
-              <a:rPr sz="1600">
-                <a:latin typeface="var(--devsite-code-font-family)"/>
-                <a:ea typeface="var(--devsite-code-font-family)"/>
-              </a:rPr>
-              <a:t>tensorflow</a:t>
-            </a:r>
-            <a:r>
-              <a:rPr lang="en-IN" sz="1600">
-                <a:latin typeface="var(--devsite-code-font-family)"/>
-                <a:ea typeface="var(--devsite-code-font-family)"/>
-              </a:rPr>
-              <a:t> </a:t>
-            </a:r>
-            <a:r>
-              <a:rPr sz="1600">
-                <a:latin typeface="var(--devsite-code-font-family)"/>
-                <a:ea typeface="var(--devsite-code-font-family)"/>
-              </a:rPr>
-              <a:t>as</a:t>
-            </a:r>
-            <a:r>
-              <a:rPr lang="en-IN" sz="1600">
-                <a:latin typeface="var(--devsite-code-font-family)"/>
-                <a:ea typeface="var(--devsite-code-font-family)"/>
-              </a:rPr>
-              <a:t> </a:t>
-            </a:r>
-            <a:r>
-              <a:rPr sz="1600">
-                <a:latin typeface="var(--devsite-code-font-family)"/>
-                <a:ea typeface="var(--devsite-code-font-family)"/>
-              </a:rPr>
-              <a:t>tf</a:t>
-            </a:r>
-            <a:endParaRPr sz="1600">
-              <a:latin typeface="var(--devsite-code-font-family)"/>
-              <a:ea typeface="var(--devsite-code-font-family)"/>
-            </a:endParaRPr>
-          </a:p>
-          <a:p>
-            <a:pPr marL="0" indent="0"/>
-            <a:r>
-              <a:rPr sz="1600">
-                <a:latin typeface="var(--devsite-code-font-family)"/>
-                <a:ea typeface="var(--devsite-code-font-family)"/>
-              </a:rPr>
-              <a:t>x=tf.constant([[1.,2.,3.],[4.,5.,6.]])</a:t>
-            </a:r>
-            <a:endParaRPr sz="1600">
-              <a:latin typeface="var(--devsite-code-font-family)"/>
-              <a:ea typeface="var(--devsite-code-font-family)"/>
-            </a:endParaRPr>
-          </a:p>
-          <a:p>
-            <a:pPr marL="0" indent="0"/>
-            <a:r>
-              <a:rPr sz="1600">
-                <a:latin typeface="var(--devsite-code-font-family)"/>
-                <a:ea typeface="var(--devsite-code-font-family)"/>
-              </a:rPr>
-              <a:t>print(x)</a:t>
-            </a:r>
-            <a:endParaRPr sz="1600">
-              <a:latin typeface="var(--devsite-code-font-family)"/>
-              <a:ea typeface="var(--devsite-code-font-family)"/>
-            </a:endParaRPr>
-          </a:p>
-          <a:p>
-            <a:pPr marL="0" indent="0"/>
-            <a:r>
-              <a:rPr sz="1600">
-                <a:latin typeface="var(--devsite-code-font-family)"/>
-                <a:ea typeface="var(--devsite-code-font-family)"/>
-              </a:rPr>
-              <a:t>print(x.shape)</a:t>
-            </a:r>
-            <a:endParaRPr sz="1600">
-              <a:latin typeface="var(--devsite-code-font-family)"/>
-              <a:ea typeface="var(--devsite-code-font-family)"/>
-            </a:endParaRPr>
-          </a:p>
-          <a:p>
-            <a:pPr marL="0" indent="0"/>
-            <a:r>
-              <a:rPr sz="1600">
-                <a:latin typeface="var(--devsite-code-font-family)"/>
-                <a:ea typeface="var(--devsite-code-font-family)"/>
-              </a:rPr>
-              <a:t>print(x.dtype)</a:t>
-            </a:r>
-            <a:endParaRPr sz="1600">
-              <a:latin typeface="var(--devsite-code-font-family)"/>
-              <a:ea typeface="var(--devsite-code-font-family)"/>
-            </a:endParaRPr>
-          </a:p>
-        </p:txBody>
-      </p:sp>
-    </p:spTree>
-  </p:cSld>
-  <p:clrMapOvr>
-    <a:masterClrMapping/>
-  </p:clrMapOvr>
-</p:sld>
-</file>
-
-<file path=ppt/slides/slide8.xml><?xml version="1.0" encoding="utf-8"?>
-<p:sld xmlns:a="http://schemas.openxmlformats.org/drawingml/2006/main" xmlns:r="http://schemas.openxmlformats.org/officeDocument/2006/relationships" xmlns:p="http://schemas.openxmlformats.org/presentationml/2006/main">
-  <p:cSld>
-    <p:spTree>
-      <p:nvGrpSpPr>
-        <p:cNvPr id="1" name=""/>
-        <p:cNvGrpSpPr/>
-        <p:nvPr/>
-      </p:nvGrpSpPr>
-      <p:grpSpPr/>
-      <p:sp>
-        <p:nvSpPr>
-          <p:cNvPr id="2" name="Text Box 1"/>
-          <p:cNvSpPr txBox="1"/>
-          <p:nvPr/>
-        </p:nvSpPr>
-        <p:spPr>
-          <a:xfrm>
-            <a:off x="1164590" y="747395"/>
-            <a:ext cx="9331960" cy="1599565"/>
-          </a:xfrm>
-          <a:prstGeom prst="rect">
-            <a:avLst/>
-          </a:prstGeom>
-        </p:spPr>
-        <p:txBody>
-          <a:bodyPr wrap="square">
-            <a:spAutoFit/>
-          </a:bodyPr>
-          <a:p>
-            <a:pPr marL="0" indent="0"/>
-            <a:r>
-              <a:rPr lang="en-US" altLang="en-US" b="1" i="0">
-                <a:solidFill>
-                  <a:srgbClr val="383838"/>
-                </a:solidFill>
-                <a:latin typeface="Inter"/>
-                <a:ea typeface="Inter"/>
-              </a:rPr>
-              <a:t>Shape</a:t>
-            </a:r>
-            <a:endParaRPr lang="en-US" altLang="en-US" sz="1600" b="0" i="0">
-              <a:solidFill>
-                <a:srgbClr val="383838"/>
-              </a:solidFill>
-              <a:latin typeface="Inter"/>
-              <a:ea typeface="Inter"/>
-            </a:endParaRPr>
-          </a:p>
-          <a:p>
-            <a:pPr marL="0" indent="0"/>
-            <a:r>
-              <a:rPr sz="1600" b="0" i="0">
-                <a:solidFill>
-                  <a:srgbClr val="383838"/>
-                </a:solidFill>
-                <a:latin typeface="Inter"/>
-                <a:ea typeface="Inter"/>
-              </a:rPr>
-              <a:t>In the TensorFlow Python library, the shape corresponds to the dimensionality of the tensor. In simple terms, the number of elements in each dimension defines a tensor’s shape. </a:t>
-            </a:r>
-            <a:endParaRPr sz="1600" b="0" i="0">
-              <a:solidFill>
-                <a:srgbClr val="383838"/>
-              </a:solidFill>
-              <a:latin typeface="Inter"/>
-              <a:ea typeface="Inter"/>
-            </a:endParaRPr>
-          </a:p>
-          <a:p>
-            <a:pPr marL="0" indent="0"/>
-            <a:endParaRPr sz="1600" b="0" i="0">
-              <a:solidFill>
-                <a:srgbClr val="383838"/>
-              </a:solidFill>
-              <a:latin typeface="Inter"/>
-              <a:ea typeface="Inter"/>
-            </a:endParaRPr>
-          </a:p>
-          <a:p>
-            <a:pPr marL="0" indent="0"/>
-            <a:endParaRPr sz="1600" b="0" i="0">
-              <a:solidFill>
-                <a:srgbClr val="383838"/>
-              </a:solidFill>
-              <a:latin typeface="Inter"/>
-              <a:ea typeface="Inter"/>
-            </a:endParaRPr>
-          </a:p>
-        </p:txBody>
-      </p:sp>
-      <p:pic>
-        <p:nvPicPr>
-          <p:cNvPr id="3" name="Picture 2"/>
-          <p:cNvPicPr/>
-          <p:nvPr/>
-        </p:nvPicPr>
-        <p:blipFill>
-          <a:blip r:embed="rId1"/>
-          <a:stretch>
-            <a:fillRect/>
-          </a:stretch>
-        </p:blipFill>
-        <p:spPr>
-          <a:xfrm>
-            <a:off x="1012190" y="2479358"/>
-            <a:ext cx="7620000" cy="2695575"/>
-          </a:xfrm>
-          <a:prstGeom prst="rect">
-            <a:avLst/>
-          </a:prstGeom>
-        </p:spPr>
-      </p:pic>
-    </p:spTree>
-  </p:cSld>
-  <p:clrMapOvr>
-    <a:masterClrMapping/>
-  </p:clrMapOvr>
-</p:sld>
-</file>
-
-<file path=ppt/slides/slide9.xml><?xml version="1.0" encoding="utf-8"?>
 <p:sld xmlns:a="http://schemas.openxmlformats.org/drawingml/2006/main" xmlns:r="http://schemas.openxmlformats.org/officeDocument/2006/relationships" xmlns:p="http://schemas.openxmlformats.org/presentationml/2006/main">
   <p:cSld>
     <p:spTree>

--- a/9.Deep_learning/class_6.0_pytorch.pptx
+++ b/9.Deep_learning/class_6.0_pytorch.pptx
@@ -5073,6 +5073,35 @@
         <p:nvPr/>
       </p:nvGrpSpPr>
       <p:grpSpPr/>
+      <p:sp>
+        <p:nvSpPr>
+          <p:cNvPr id="2" name="Text Box 1"/>
+          <p:cNvSpPr txBox="1"/>
+          <p:nvPr/>
+        </p:nvSpPr>
+        <p:spPr>
+          <a:xfrm>
+            <a:off x="3048000" y="3106420"/>
+            <a:ext cx="6096000" cy="645160"/>
+          </a:xfrm>
+          <a:prstGeom prst="rect">
+            <a:avLst/>
+          </a:prstGeom>
+          <a:noFill/>
+        </p:spPr>
+        <p:txBody>
+          <a:bodyPr wrap="square" rtlCol="0" anchor="t">
+            <a:spAutoFit/>
+          </a:bodyPr>
+          <a:p>
+            <a:r>
+              <a:rPr lang="en-US" altLang="en-US"/>
+              <a:t>https://pytorch.org/tutorials/beginner/basics/buildmodel_tutorial.html</a:t>
+            </a:r>
+            <a:endParaRPr lang="en-US"/>
+          </a:p>
+        </p:txBody>
+      </p:sp>
     </p:spTree>
   </p:cSld>
   <p:clrMapOvr>

--- a/9.Deep_learning/class_6.0_pytorch.pptx
+++ b/9.Deep_learning/class_6.0_pytorch.pptx
@@ -5097,6 +5097,35 @@
             <a:r>
               <a:rPr lang="en-US" altLang="en-US"/>
               <a:t>https://pytorch.org/tutorials/beginner/basics/buildmodel_tutorial.html</a:t>
+            </a:r>
+            <a:endParaRPr lang="en-US"/>
+          </a:p>
+        </p:txBody>
+      </p:sp>
+      <p:sp>
+        <p:nvSpPr>
+          <p:cNvPr id="3" name="Text Box 2"/>
+          <p:cNvSpPr txBox="1"/>
+          <p:nvPr/>
+        </p:nvSpPr>
+        <p:spPr>
+          <a:xfrm>
+            <a:off x="2954020" y="4476115"/>
+            <a:ext cx="6096000" cy="645160"/>
+          </a:xfrm>
+          <a:prstGeom prst="rect">
+            <a:avLst/>
+          </a:prstGeom>
+          <a:noFill/>
+        </p:spPr>
+        <p:txBody>
+          <a:bodyPr wrap="square" rtlCol="0" anchor="t">
+            <a:spAutoFit/>
+          </a:bodyPr>
+          <a:p>
+            <a:r>
+              <a:rPr lang="en-US" altLang="en-US"/>
+              <a:t>https://www.geeksforgeeks.org/implementation-of-a-cnn-based-image-classifier-using-pytorch/</a:t>
             </a:r>
             <a:endParaRPr lang="en-US"/>
           </a:p>
